--- a/Autodesk.TS.VaultPlmClientExtensions.pptx
+++ b/Autodesk.TS.VaultPlmClientExtensions.pptx
@@ -11272,8 +11272,8 @@
         </p:nvSpPr>
         <p:spPr>
           <a:xfrm>
-            <a:off x="2588385" y="2360815"/>
-            <a:ext cx="9354828" cy="1459508"/>
+            <a:off x="2588385" y="2343124"/>
+            <a:ext cx="9354828" cy="1477199"/>
           </a:xfrm>
         </p:spPr>
         <p:txBody>
@@ -11289,7 +11289,15 @@
             </a:br>
             <a:r>
               <a:rPr lang="en-US" dirty="0"/>
-              <a:t>Vault PLM Client Extensions</a:t>
+              <a:t>Vault </a:t>
+            </a:r>
+            <a:r>
+              <a:rPr lang="en-US" dirty="0" err="1"/>
+              <a:t>plm</a:t>
+            </a:r>
+            <a:r>
+              <a:rPr lang="en-US" dirty="0"/>
+              <a:t> Client Extensions</a:t>
             </a:r>
             <a:endParaRPr lang="en-DE" dirty="0"/>
           </a:p>
@@ -11846,6 +11854,36 @@
           </a:p>
         </p:txBody>
       </p:sp>
+      <p:pic>
+        <p:nvPicPr>
+          <p:cNvPr id="8" name="Picture 7">
+            <a:extLst>
+              <a:ext uri="{FF2B5EF4-FFF2-40B4-BE49-F238E27FC236}">
+                <a16:creationId xmlns:a16="http://schemas.microsoft.com/office/drawing/2014/main" id="{EFA931EA-391F-9EE4-0BF1-2DB567F1A0A5}"/>
+              </a:ext>
+            </a:extLst>
+          </p:cNvPr>
+          <p:cNvPicPr>
+            <a:picLocks noChangeAspect="1"/>
+          </p:cNvPicPr>
+          <p:nvPr/>
+        </p:nvPicPr>
+        <p:blipFill>
+          <a:blip r:embed="rId2"/>
+          <a:stretch>
+            <a:fillRect/>
+          </a:stretch>
+        </p:blipFill>
+        <p:spPr>
+          <a:xfrm>
+            <a:off x="184150" y="1019109"/>
+            <a:ext cx="3719885" cy="1020100"/>
+          </a:xfrm>
+          <a:prstGeom prst="rect">
+            <a:avLst/>
+          </a:prstGeom>
+        </p:spPr>
+      </p:pic>
     </p:spTree>
     <p:extLst>
       <p:ext uri="{BB962C8B-B14F-4D97-AF65-F5344CB8AC3E}">
@@ -12398,13 +12436,13 @@
   <p:clrMapOvr>
     <a:masterClrMapping/>
   </p:clrMapOvr>
-  <mc:AlternateContent xmlns:mc="http://schemas.openxmlformats.org/markup-compatibility/2006">
-    <mc:Choice xmlns:p14="http://schemas.microsoft.com/office/powerpoint/2010/main" Requires="p14">
+  <mc:AlternateContent xmlns:mc="http://schemas.openxmlformats.org/markup-compatibility/2006" xmlns:p14="http://schemas.microsoft.com/office/powerpoint/2010/main">
+    <mc:Choice Requires="p14">
       <p:transition p14:dur="250">
         <p:fade/>
       </p:transition>
     </mc:Choice>
-    <mc:Fallback>
+    <mc:Fallback xmlns="">
       <p:transition>
         <p:fade/>
       </p:transition>
@@ -12674,13 +12712,13 @@
   <p:clrMapOvr>
     <a:masterClrMapping/>
   </p:clrMapOvr>
-  <mc:AlternateContent xmlns:mc="http://schemas.openxmlformats.org/markup-compatibility/2006">
-    <mc:Choice xmlns:p14="http://schemas.microsoft.com/office/powerpoint/2010/main" Requires="p14">
+  <mc:AlternateContent xmlns:mc="http://schemas.openxmlformats.org/markup-compatibility/2006" xmlns:p14="http://schemas.microsoft.com/office/powerpoint/2010/main">
+    <mc:Choice Requires="p14">
       <p:transition p14:dur="250">
         <p:fade/>
       </p:transition>
     </mc:Choice>
-    <mc:Fallback>
+    <mc:Fallback xmlns="">
       <p:transition>
         <p:fade/>
       </p:transition>

--- a/Autodesk.TS.VaultPlmClientExtensions.pptx
+++ b/Autodesk.TS.VaultPlmClientExtensions.pptx
@@ -7,11 +7,19 @@
   <p:sldIdLst>
     <p:sldId id="256" r:id="rId2"/>
     <p:sldId id="258" r:id="rId3"/>
-    <p:sldId id="260" r:id="rId4"/>
-    <p:sldId id="264" r:id="rId5"/>
-    <p:sldId id="265" r:id="rId6"/>
-    <p:sldId id="259" r:id="rId7"/>
-    <p:sldId id="257" r:id="rId8"/>
+    <p:sldId id="270" r:id="rId4"/>
+    <p:sldId id="272" r:id="rId5"/>
+    <p:sldId id="273" r:id="rId6"/>
+    <p:sldId id="275" r:id="rId7"/>
+    <p:sldId id="268" r:id="rId8"/>
+    <p:sldId id="271" r:id="rId9"/>
+    <p:sldId id="269" r:id="rId10"/>
+    <p:sldId id="266" r:id="rId11"/>
+    <p:sldId id="260" r:id="rId12"/>
+    <p:sldId id="264" r:id="rId13"/>
+    <p:sldId id="265" r:id="rId14"/>
+    <p:sldId id="259" r:id="rId15"/>
+    <p:sldId id="257" r:id="rId16"/>
   </p:sldIdLst>
   <p:sldSz cx="12192000" cy="6858000"/>
   <p:notesSz cx="6858000" cy="9144000"/>
@@ -117,10 +125,26 @@
           <p14:sldIdLst>
             <p14:sldId id="256"/>
             <p14:sldId id="258"/>
+            <p14:sldId id="270"/>
           </p14:sldIdLst>
         </p14:section>
-        <p14:section name="Presentation" id="{BFF5AD2C-377B-42AB-87DE-60F8E6ACB8CE}">
+        <p14:section name="Use case demos" id="{6E968140-A2E9-4C28-84F1-3FC5AABF3B6B}">
           <p14:sldIdLst>
+            <p14:sldId id="272"/>
+            <p14:sldId id="273"/>
+            <p14:sldId id="275"/>
+          </p14:sldIdLst>
+        </p14:section>
+        <p14:section name="Installation" id="{AF76BAAD-B5D0-44E0-8E3B-5CE3F9EF0764}">
+          <p14:sldIdLst>
+            <p14:sldId id="268"/>
+            <p14:sldId id="271"/>
+            <p14:sldId id="269"/>
+          </p14:sldIdLst>
+        </p14:section>
+        <p14:section name="Behind the Scenes" id="{BFF5AD2C-377B-42AB-87DE-60F8E6ACB8CE}">
+          <p14:sldIdLst>
+            <p14:sldId id="266"/>
             <p14:sldId id="260"/>
             <p14:sldId id="264"/>
             <p14:sldId id="265"/>
@@ -11289,15 +11313,7 @@
             </a:br>
             <a:r>
               <a:rPr lang="en-US" dirty="0"/>
-              <a:t>Vault </a:t>
-            </a:r>
-            <a:r>
-              <a:rPr lang="en-US" dirty="0" err="1"/>
-              <a:t>plm</a:t>
-            </a:r>
-            <a:r>
-              <a:rPr lang="en-US" dirty="0"/>
-              <a:t> Client Extensions</a:t>
+              <a:t>Vault plm Client Extensions</a:t>
             </a:r>
             <a:endParaRPr lang="en-DE" dirty="0"/>
           </a:p>
@@ -11758,6 +11774,1689 @@
 </p:sld>
 </file>
 
+<file path=ppt/slides/slide10.xml><?xml version="1.0" encoding="utf-8"?>
+<p:sld xmlns:a="http://schemas.openxmlformats.org/drawingml/2006/main" xmlns:r="http://schemas.openxmlformats.org/officeDocument/2006/relationships" xmlns:p="http://schemas.openxmlformats.org/presentationml/2006/main">
+  <p:cSld>
+    <p:spTree>
+      <p:nvGrpSpPr>
+        <p:cNvPr id="1" name=""/>
+        <p:cNvGrpSpPr/>
+        <p:nvPr/>
+      </p:nvGrpSpPr>
+      <p:grpSpPr>
+        <a:xfrm>
+          <a:off x="0" y="0"/>
+          <a:ext cx="0" cy="0"/>
+          <a:chOff x="0" y="0"/>
+          <a:chExt cx="0" cy="0"/>
+        </a:xfrm>
+      </p:grpSpPr>
+      <p:sp>
+        <p:nvSpPr>
+          <p:cNvPr id="7" name="Text Placeholder 6">
+            <a:extLst>
+              <a:ext uri="{FF2B5EF4-FFF2-40B4-BE49-F238E27FC236}">
+                <a16:creationId xmlns:a16="http://schemas.microsoft.com/office/drawing/2014/main" id="{18710802-52D6-4FE9-B050-80AB3649C51D}"/>
+              </a:ext>
+            </a:extLst>
+          </p:cNvPr>
+          <p:cNvSpPr>
+            <a:spLocks noGrp="1"/>
+          </p:cNvSpPr>
+          <p:nvPr>
+            <p:ph type="body" sz="quarter" idx="13"/>
+          </p:nvPr>
+        </p:nvSpPr>
+        <p:spPr/>
+        <p:txBody>
+          <a:bodyPr/>
+          <a:lstStyle/>
+          <a:p>
+            <a:r>
+              <a:rPr lang="en-US" dirty="0"/>
+              <a:t>Inventor </a:t>
+            </a:r>
+            <a:r>
+              <a:rPr lang="en-US" dirty="0" err="1"/>
+              <a:t>dockable</a:t>
+            </a:r>
+            <a:r>
+              <a:rPr lang="en-US" dirty="0"/>
+              <a:t> windows | Vault dock-panels = WebView2 controls</a:t>
+            </a:r>
+          </a:p>
+        </p:txBody>
+      </p:sp>
+      <p:sp>
+        <p:nvSpPr>
+          <p:cNvPr id="12" name="Content Placeholder 11">
+            <a:extLst>
+              <a:ext uri="{FF2B5EF4-FFF2-40B4-BE49-F238E27FC236}">
+                <a16:creationId xmlns:a16="http://schemas.microsoft.com/office/drawing/2014/main" id="{C8563C98-672B-9C5A-DF46-BF4181F15529}"/>
+              </a:ext>
+            </a:extLst>
+          </p:cNvPr>
+          <p:cNvSpPr>
+            <a:spLocks noGrp="1"/>
+          </p:cNvSpPr>
+          <p:nvPr>
+            <p:ph idx="1"/>
+          </p:nvPr>
+        </p:nvSpPr>
+        <p:spPr/>
+        <p:txBody>
+          <a:bodyPr/>
+          <a:lstStyle/>
+          <a:p>
+            <a:r>
+              <a:rPr lang="en-US" dirty="0"/>
+              <a:t>WebView2 controls display Fusion Manage UX Extension pages</a:t>
+            </a:r>
+          </a:p>
+          <a:p>
+            <a:pPr lvl="1"/>
+            <a:r>
+              <a:rPr lang="en-US" dirty="0"/>
+              <a:t>Optimized layout with host-specific user commands</a:t>
+            </a:r>
+          </a:p>
+          <a:p>
+            <a:pPr lvl="1"/>
+            <a:r>
+              <a:rPr lang="en-US" dirty="0"/>
+              <a:t>Messaging for bidirectional host – UXE server communication</a:t>
+            </a:r>
+          </a:p>
+        </p:txBody>
+      </p:sp>
+      <p:sp>
+        <p:nvSpPr>
+          <p:cNvPr id="6" name="Title 5">
+            <a:extLst>
+              <a:ext uri="{FF2B5EF4-FFF2-40B4-BE49-F238E27FC236}">
+                <a16:creationId xmlns:a16="http://schemas.microsoft.com/office/drawing/2014/main" id="{2285E48E-947C-2E20-3072-ED2D5F5F9657}"/>
+              </a:ext>
+            </a:extLst>
+          </p:cNvPr>
+          <p:cNvSpPr>
+            <a:spLocks noGrp="1"/>
+          </p:cNvSpPr>
+          <p:nvPr>
+            <p:ph type="title"/>
+          </p:nvPr>
+        </p:nvSpPr>
+        <p:spPr/>
+        <p:txBody>
+          <a:bodyPr/>
+          <a:lstStyle/>
+          <a:p>
+            <a:r>
+              <a:rPr lang="en-US" dirty="0"/>
+              <a:t>How it works…</a:t>
+            </a:r>
+          </a:p>
+        </p:txBody>
+      </p:sp>
+      <p:pic>
+        <p:nvPicPr>
+          <p:cNvPr id="11" name="Picture 10">
+            <a:extLst>
+              <a:ext uri="{FF2B5EF4-FFF2-40B4-BE49-F238E27FC236}">
+                <a16:creationId xmlns:a16="http://schemas.microsoft.com/office/drawing/2014/main" id="{C9E02E0B-EC2A-318F-2000-53A4C9FD3878}"/>
+              </a:ext>
+            </a:extLst>
+          </p:cNvPr>
+          <p:cNvPicPr>
+            <a:picLocks noChangeAspect="1"/>
+          </p:cNvPicPr>
+          <p:nvPr/>
+        </p:nvPicPr>
+        <p:blipFill>
+          <a:blip r:embed="rId2"/>
+          <a:stretch>
+            <a:fillRect/>
+          </a:stretch>
+        </p:blipFill>
+        <p:spPr>
+          <a:xfrm>
+            <a:off x="5021754" y="2871315"/>
+            <a:ext cx="1996091" cy="3817296"/>
+          </a:xfrm>
+          <a:prstGeom prst="rect">
+            <a:avLst/>
+          </a:prstGeom>
+        </p:spPr>
+      </p:pic>
+      <p:pic>
+        <p:nvPicPr>
+          <p:cNvPr id="14" name="Picture 13">
+            <a:extLst>
+              <a:ext uri="{FF2B5EF4-FFF2-40B4-BE49-F238E27FC236}">
+                <a16:creationId xmlns:a16="http://schemas.microsoft.com/office/drawing/2014/main" id="{C7621FAB-8002-144F-C381-7795FDCF6A64}"/>
+              </a:ext>
+            </a:extLst>
+          </p:cNvPr>
+          <p:cNvPicPr>
+            <a:picLocks noChangeAspect="1"/>
+          </p:cNvPicPr>
+          <p:nvPr/>
+        </p:nvPicPr>
+        <p:blipFill>
+          <a:blip r:embed="rId3"/>
+          <a:stretch>
+            <a:fillRect/>
+          </a:stretch>
+        </p:blipFill>
+        <p:spPr>
+          <a:xfrm>
+            <a:off x="7483319" y="3666111"/>
+            <a:ext cx="4336630" cy="3022500"/>
+          </a:xfrm>
+          <a:prstGeom prst="rect">
+            <a:avLst/>
+          </a:prstGeom>
+        </p:spPr>
+      </p:pic>
+      <p:pic>
+        <p:nvPicPr>
+          <p:cNvPr id="15" name="Picture 14">
+            <a:extLst>
+              <a:ext uri="{FF2B5EF4-FFF2-40B4-BE49-F238E27FC236}">
+                <a16:creationId xmlns:a16="http://schemas.microsoft.com/office/drawing/2014/main" id="{2A3CCAB7-FD98-C87F-053E-32CE8B4B1740}"/>
+              </a:ext>
+            </a:extLst>
+          </p:cNvPr>
+          <p:cNvPicPr>
+            <a:picLocks noChangeAspect="1"/>
+          </p:cNvPicPr>
+          <p:nvPr/>
+        </p:nvPicPr>
+        <p:blipFill>
+          <a:blip r:embed="rId4">
+            <a:extLst>
+              <a:ext uri="{28A0092B-C50C-407E-A947-70E740481C1C}">
+                <a14:useLocalDpi xmlns:a14="http://schemas.microsoft.com/office/drawing/2010/main" val="0"/>
+              </a:ext>
+            </a:extLst>
+          </a:blip>
+          <a:stretch>
+            <a:fillRect/>
+          </a:stretch>
+        </p:blipFill>
+        <p:spPr>
+          <a:xfrm>
+            <a:off x="1357940" y="3522310"/>
+            <a:ext cx="1249567" cy="1249567"/>
+          </a:xfrm>
+          <a:prstGeom prst="rect">
+            <a:avLst/>
+          </a:prstGeom>
+        </p:spPr>
+      </p:pic>
+      <p:pic>
+        <p:nvPicPr>
+          <p:cNvPr id="16" name="Picture 2">
+            <a:extLst>
+              <a:ext uri="{FF2B5EF4-FFF2-40B4-BE49-F238E27FC236}">
+                <a16:creationId xmlns:a16="http://schemas.microsoft.com/office/drawing/2014/main" id="{0C876334-170E-EE57-44B6-EDC80B68A078}"/>
+              </a:ext>
+            </a:extLst>
+          </p:cNvPr>
+          <p:cNvPicPr>
+            <a:picLocks noChangeAspect="1" noChangeArrowheads="1"/>
+          </p:cNvPicPr>
+          <p:nvPr/>
+        </p:nvPicPr>
+        <p:blipFill>
+          <a:blip r:embed="rId5">
+            <a:extLst>
+              <a:ext uri="{28A0092B-C50C-407E-A947-70E740481C1C}">
+                <a14:useLocalDpi xmlns:a14="http://schemas.microsoft.com/office/drawing/2010/main" val="0"/>
+              </a:ext>
+            </a:extLst>
+          </a:blip>
+          <a:srcRect/>
+          <a:stretch>
+            <a:fillRect/>
+          </a:stretch>
+        </p:blipFill>
+        <p:spPr bwMode="auto">
+          <a:xfrm>
+            <a:off x="1372913" y="4880567"/>
+            <a:ext cx="1249567" cy="1249567"/>
+          </a:xfrm>
+          <a:prstGeom prst="rect">
+            <a:avLst/>
+          </a:prstGeom>
+          <a:ln>
+            <a:noFill/>
+          </a:ln>
+          <a:effectLst>
+            <a:outerShdw blurRad="292100" dist="139700" dir="2700000" algn="tl" rotWithShape="0">
+              <a:srgbClr val="333333">
+                <a:alpha val="65000"/>
+              </a:srgbClr>
+            </a:outerShdw>
+          </a:effectLst>
+          <a:extLst>
+            <a:ext uri="{909E8E84-426E-40DD-AFC4-6F175D3DCCD1}">
+              <a14:hiddenFill xmlns:a14="http://schemas.microsoft.com/office/drawing/2010/main">
+                <a:solidFill>
+                  <a:srgbClr val="FFFFFF"/>
+                </a:solidFill>
+              </a14:hiddenFill>
+            </a:ext>
+          </a:extLst>
+        </p:spPr>
+      </p:pic>
+      <p:sp>
+        <p:nvSpPr>
+          <p:cNvPr id="17" name="Arrow: Right 16">
+            <a:extLst>
+              <a:ext uri="{FF2B5EF4-FFF2-40B4-BE49-F238E27FC236}">
+                <a16:creationId xmlns:a16="http://schemas.microsoft.com/office/drawing/2014/main" id="{4D8064EE-0DB6-88C4-9656-582CC1968467}"/>
+              </a:ext>
+            </a:extLst>
+          </p:cNvPr>
+          <p:cNvSpPr/>
+          <p:nvPr/>
+        </p:nvSpPr>
+        <p:spPr>
+          <a:xfrm>
+            <a:off x="2984500" y="3378740"/>
+            <a:ext cx="4434462" cy="538264"/>
+          </a:xfrm>
+          <a:prstGeom prst="rightArrow">
+            <a:avLst/>
+          </a:prstGeom>
+          <a:solidFill>
+            <a:schemeClr val="tx2"/>
+          </a:solidFill>
+          <a:ln>
+            <a:noFill/>
+          </a:ln>
+        </p:spPr>
+        <p:style>
+          <a:lnRef idx="2">
+            <a:schemeClr val="accent1">
+              <a:shade val="50000"/>
+            </a:schemeClr>
+          </a:lnRef>
+          <a:fillRef idx="1">
+            <a:schemeClr val="accent1"/>
+          </a:fillRef>
+          <a:effectRef idx="0">
+            <a:schemeClr val="accent1"/>
+          </a:effectRef>
+          <a:fontRef idx="minor">
+            <a:schemeClr val="lt1"/>
+          </a:fontRef>
+        </p:style>
+        <p:txBody>
+          <a:bodyPr rtlCol="0" anchor="ctr"/>
+          <a:lstStyle/>
+          <a:p>
+            <a:pPr algn="ctr"/>
+            <a:r>
+              <a:rPr lang="en-US" sz="1600" dirty="0"/>
+              <a:t>Send messages</a:t>
+            </a:r>
+          </a:p>
+        </p:txBody>
+      </p:sp>
+      <p:sp>
+        <p:nvSpPr>
+          <p:cNvPr id="18" name="Rectangle 17">
+            <a:extLst>
+              <a:ext uri="{FF2B5EF4-FFF2-40B4-BE49-F238E27FC236}">
+                <a16:creationId xmlns:a16="http://schemas.microsoft.com/office/drawing/2014/main" id="{B087EDE3-18B2-4B4D-8E1C-F0BDEE1BC6AF}"/>
+              </a:ext>
+            </a:extLst>
+          </p:cNvPr>
+          <p:cNvSpPr/>
+          <p:nvPr/>
+        </p:nvSpPr>
+        <p:spPr>
+          <a:xfrm>
+            <a:off x="2671864" y="3522310"/>
+            <a:ext cx="193367" cy="2607824"/>
+          </a:xfrm>
+          <a:prstGeom prst="rect">
+            <a:avLst/>
+          </a:prstGeom>
+          <a:solidFill>
+            <a:schemeClr val="tx2"/>
+          </a:solidFill>
+          <a:ln>
+            <a:noFill/>
+          </a:ln>
+        </p:spPr>
+        <p:style>
+          <a:lnRef idx="2">
+            <a:schemeClr val="accent1">
+              <a:shade val="50000"/>
+            </a:schemeClr>
+          </a:lnRef>
+          <a:fillRef idx="1">
+            <a:schemeClr val="accent1"/>
+          </a:fillRef>
+          <a:effectRef idx="0">
+            <a:schemeClr val="accent1"/>
+          </a:effectRef>
+          <a:fontRef idx="minor">
+            <a:schemeClr val="lt1"/>
+          </a:fontRef>
+        </p:style>
+        <p:txBody>
+          <a:bodyPr rtlCol="0" anchor="ctr"/>
+          <a:lstStyle/>
+          <a:p>
+            <a:pPr algn="ctr"/>
+            <a:endParaRPr lang="en-US" sz="1600" dirty="0" err="1"/>
+          </a:p>
+        </p:txBody>
+      </p:sp>
+      <p:sp>
+        <p:nvSpPr>
+          <p:cNvPr id="19" name="Arrow: Left 18">
+            <a:extLst>
+              <a:ext uri="{FF2B5EF4-FFF2-40B4-BE49-F238E27FC236}">
+                <a16:creationId xmlns:a16="http://schemas.microsoft.com/office/drawing/2014/main" id="{D82DED1F-4D5E-E596-43B1-41DAB780F9EE}"/>
+              </a:ext>
+            </a:extLst>
+          </p:cNvPr>
+          <p:cNvSpPr/>
+          <p:nvPr/>
+        </p:nvSpPr>
+        <p:spPr>
+          <a:xfrm>
+            <a:off x="6297039" y="4662791"/>
+            <a:ext cx="1121924" cy="468975"/>
+          </a:xfrm>
+          <a:prstGeom prst="leftArrow">
+            <a:avLst/>
+          </a:prstGeom>
+          <a:solidFill>
+            <a:schemeClr val="tx2"/>
+          </a:solidFill>
+          <a:ln>
+            <a:noFill/>
+          </a:ln>
+        </p:spPr>
+        <p:style>
+          <a:lnRef idx="2">
+            <a:schemeClr val="accent1">
+              <a:shade val="50000"/>
+            </a:schemeClr>
+          </a:lnRef>
+          <a:fillRef idx="1">
+            <a:schemeClr val="accent1"/>
+          </a:fillRef>
+          <a:effectRef idx="0">
+            <a:schemeClr val="accent1"/>
+          </a:effectRef>
+          <a:fontRef idx="minor">
+            <a:schemeClr val="lt1"/>
+          </a:fontRef>
+        </p:style>
+        <p:txBody>
+          <a:bodyPr rtlCol="0" anchor="ctr"/>
+          <a:lstStyle/>
+          <a:p>
+            <a:pPr algn="ctr"/>
+            <a:r>
+              <a:rPr lang="en-US" sz="1600" dirty="0"/>
+              <a:t>Display</a:t>
+            </a:r>
+          </a:p>
+        </p:txBody>
+      </p:sp>
+      <p:sp>
+        <p:nvSpPr>
+          <p:cNvPr id="20" name="Arrow: Left 19">
+            <a:extLst>
+              <a:ext uri="{FF2B5EF4-FFF2-40B4-BE49-F238E27FC236}">
+                <a16:creationId xmlns:a16="http://schemas.microsoft.com/office/drawing/2014/main" id="{4D92DFDB-FF90-1A72-A5B1-74A39B94DFB2}"/>
+              </a:ext>
+            </a:extLst>
+          </p:cNvPr>
+          <p:cNvSpPr/>
+          <p:nvPr/>
+        </p:nvSpPr>
+        <p:spPr>
+          <a:xfrm>
+            <a:off x="2984500" y="5584227"/>
+            <a:ext cx="2758060" cy="468975"/>
+          </a:xfrm>
+          <a:prstGeom prst="leftArrow">
+            <a:avLst/>
+          </a:prstGeom>
+          <a:solidFill>
+            <a:schemeClr val="tx2"/>
+          </a:solidFill>
+          <a:ln>
+            <a:noFill/>
+          </a:ln>
+        </p:spPr>
+        <p:style>
+          <a:lnRef idx="2">
+            <a:schemeClr val="accent1">
+              <a:shade val="50000"/>
+            </a:schemeClr>
+          </a:lnRef>
+          <a:fillRef idx="1">
+            <a:schemeClr val="accent1"/>
+          </a:fillRef>
+          <a:effectRef idx="0">
+            <a:schemeClr val="accent1"/>
+          </a:effectRef>
+          <a:fontRef idx="minor">
+            <a:schemeClr val="lt1"/>
+          </a:fontRef>
+        </p:style>
+        <p:txBody>
+          <a:bodyPr rtlCol="0" anchor="ctr"/>
+          <a:lstStyle/>
+          <a:p>
+            <a:pPr algn="ctr"/>
+            <a:r>
+              <a:rPr lang="en-US" sz="1600" dirty="0"/>
+              <a:t>Receive messages</a:t>
+            </a:r>
+          </a:p>
+        </p:txBody>
+      </p:sp>
+      <p:sp>
+        <p:nvSpPr>
+          <p:cNvPr id="21" name="TextBox 20">
+            <a:extLst>
+              <a:ext uri="{FF2B5EF4-FFF2-40B4-BE49-F238E27FC236}">
+                <a16:creationId xmlns:a16="http://schemas.microsoft.com/office/drawing/2014/main" id="{9BCCA7E2-D1BF-9253-F011-B177F85E656E}"/>
+              </a:ext>
+            </a:extLst>
+          </p:cNvPr>
+          <p:cNvSpPr txBox="1"/>
+          <p:nvPr/>
+        </p:nvSpPr>
+        <p:spPr>
+          <a:xfrm>
+            <a:off x="3195478" y="5925781"/>
+            <a:ext cx="2547082" cy="338554"/>
+          </a:xfrm>
+          <a:prstGeom prst="rect">
+            <a:avLst/>
+          </a:prstGeom>
+        </p:spPr>
+        <p:style>
+          <a:lnRef idx="1">
+            <a:schemeClr val="accent4"/>
+          </a:lnRef>
+          <a:fillRef idx="2">
+            <a:schemeClr val="accent4"/>
+          </a:fillRef>
+          <a:effectRef idx="1">
+            <a:schemeClr val="accent4"/>
+          </a:effectRef>
+          <a:fontRef idx="minor">
+            <a:schemeClr val="dk1"/>
+          </a:fontRef>
+        </p:style>
+        <p:txBody>
+          <a:bodyPr wrap="square" lIns="0" tIns="0" rIns="0" bIns="0" rtlCol="0">
+            <a:spAutoFit/>
+          </a:bodyPr>
+          <a:lstStyle/>
+          <a:p>
+            <a:pPr algn="ctr"/>
+            <a:r>
+              <a:rPr lang="en-US" sz="1100" dirty="0"/>
+              <a:t>Navigation/Selection</a:t>
+            </a:r>
+            <a:br>
+              <a:rPr lang="en-US" sz="1100" dirty="0"/>
+            </a:br>
+            <a:r>
+              <a:rPr lang="en-US" sz="1100" dirty="0"/>
+              <a:t>Open or Add Component</a:t>
+            </a:r>
+          </a:p>
+        </p:txBody>
+      </p:sp>
+      <p:sp>
+        <p:nvSpPr>
+          <p:cNvPr id="22" name="TextBox 21">
+            <a:extLst>
+              <a:ext uri="{FF2B5EF4-FFF2-40B4-BE49-F238E27FC236}">
+                <a16:creationId xmlns:a16="http://schemas.microsoft.com/office/drawing/2014/main" id="{407DCB68-A349-1DBA-34F4-667FFA596E01}"/>
+              </a:ext>
+            </a:extLst>
+          </p:cNvPr>
+          <p:cNvSpPr txBox="1"/>
+          <p:nvPr/>
+        </p:nvSpPr>
+        <p:spPr>
+          <a:xfrm>
+            <a:off x="2984500" y="3766592"/>
+            <a:ext cx="4168572" cy="169277"/>
+          </a:xfrm>
+          <a:prstGeom prst="rect">
+            <a:avLst/>
+          </a:prstGeom>
+        </p:spPr>
+        <p:style>
+          <a:lnRef idx="1">
+            <a:schemeClr val="accent4"/>
+          </a:lnRef>
+          <a:fillRef idx="2">
+            <a:schemeClr val="accent4"/>
+          </a:fillRef>
+          <a:effectRef idx="1">
+            <a:schemeClr val="accent4"/>
+          </a:effectRef>
+          <a:fontRef idx="minor">
+            <a:schemeClr val="dk1"/>
+          </a:fontRef>
+        </p:style>
+        <p:txBody>
+          <a:bodyPr wrap="square" lIns="0" tIns="0" rIns="0" bIns="0" rtlCol="0">
+            <a:spAutoFit/>
+          </a:bodyPr>
+          <a:lstStyle/>
+          <a:p>
+            <a:pPr algn="ctr"/>
+            <a:r>
+              <a:rPr lang="en-US" sz="1100" dirty="0"/>
+              <a:t>Call </a:t>
+            </a:r>
+            <a:r>
+              <a:rPr lang="en-US" sz="1100" dirty="0" err="1"/>
+              <a:t>Url</a:t>
+            </a:r>
+            <a:endParaRPr lang="en-US" sz="1100" dirty="0"/>
+          </a:p>
+        </p:txBody>
+      </p:sp>
+    </p:spTree>
+    <p:extLst>
+      <p:ext uri="{BB962C8B-B14F-4D97-AF65-F5344CB8AC3E}">
+        <p14:creationId xmlns:p14="http://schemas.microsoft.com/office/powerpoint/2010/main" val="2453904645"/>
+      </p:ext>
+    </p:extLst>
+  </p:cSld>
+  <p:clrMapOvr>
+    <a:masterClrMapping/>
+  </p:clrMapOvr>
+  <mc:AlternateContent xmlns:mc="http://schemas.openxmlformats.org/markup-compatibility/2006" xmlns:p14="http://schemas.microsoft.com/office/powerpoint/2010/main">
+    <mc:Choice Requires="p14">
+      <p:transition p14:dur="250">
+        <p:fade/>
+      </p:transition>
+    </mc:Choice>
+    <mc:Fallback xmlns="">
+      <p:transition>
+        <p:fade/>
+      </p:transition>
+    </mc:Fallback>
+  </mc:AlternateContent>
+</p:sld>
+</file>
+
+<file path=ppt/slides/slide11.xml><?xml version="1.0" encoding="utf-8"?>
+<p:sld xmlns:a="http://schemas.openxmlformats.org/drawingml/2006/main" xmlns:r="http://schemas.openxmlformats.org/officeDocument/2006/relationships" xmlns:p="http://schemas.openxmlformats.org/presentationml/2006/main">
+  <p:cSld>
+    <p:spTree>
+      <p:nvGrpSpPr>
+        <p:cNvPr id="1" name=""/>
+        <p:cNvGrpSpPr/>
+        <p:nvPr/>
+      </p:nvGrpSpPr>
+      <p:grpSpPr>
+        <a:xfrm>
+          <a:off x="0" y="0"/>
+          <a:ext cx="0" cy="0"/>
+          <a:chOff x="0" y="0"/>
+          <a:chExt cx="0" cy="0"/>
+        </a:xfrm>
+      </p:grpSpPr>
+      <p:sp>
+        <p:nvSpPr>
+          <p:cNvPr id="3" name="Content Placeholder 2">
+            <a:extLst>
+              <a:ext uri="{FF2B5EF4-FFF2-40B4-BE49-F238E27FC236}">
+                <a16:creationId xmlns:a16="http://schemas.microsoft.com/office/drawing/2014/main" id="{DB2BE244-36B1-1A68-D556-38FA7493652B}"/>
+              </a:ext>
+            </a:extLst>
+          </p:cNvPr>
+          <p:cNvSpPr>
+            <a:spLocks noGrp="1"/>
+          </p:cNvSpPr>
+          <p:nvPr>
+            <p:ph idx="1"/>
+          </p:nvPr>
+        </p:nvSpPr>
+        <p:spPr>
+          <a:xfrm>
+            <a:off x="491319" y="1584960"/>
+            <a:ext cx="7588651" cy="4785360"/>
+          </a:xfrm>
+        </p:spPr>
+        <p:txBody>
+          <a:bodyPr/>
+          <a:lstStyle/>
+          <a:p>
+            <a:r>
+              <a:rPr lang="en-US" dirty="0"/>
+              <a:t>Message format</a:t>
+            </a:r>
+          </a:p>
+          <a:p>
+            <a:pPr lvl="1"/>
+            <a:r>
+              <a:rPr lang="en-US" dirty="0"/>
+              <a:t>Action; Source; </a:t>
+            </a:r>
+            <a:r>
+              <a:rPr lang="en-US" b="1" dirty="0"/>
+              <a:t>FileIterationId</a:t>
+            </a:r>
+            <a:r>
+              <a:rPr lang="en-US" dirty="0"/>
+              <a:t>; </a:t>
+            </a:r>
+            <a:r>
+              <a:rPr lang="en-US" b="1" dirty="0" err="1"/>
+              <a:t>Filename.Ext</a:t>
+            </a:r>
+            <a:r>
+              <a:rPr lang="en-US" dirty="0"/>
+              <a:t>; </a:t>
+            </a:r>
+            <a:r>
+              <a:rPr lang="en-US" b="1" dirty="0"/>
+              <a:t>MasterId</a:t>
+            </a:r>
+          </a:p>
+        </p:txBody>
+      </p:sp>
+      <p:sp>
+        <p:nvSpPr>
+          <p:cNvPr id="4" name="Content Placeholder 3">
+            <a:extLst>
+              <a:ext uri="{FF2B5EF4-FFF2-40B4-BE49-F238E27FC236}">
+                <a16:creationId xmlns:a16="http://schemas.microsoft.com/office/drawing/2014/main" id="{5779F1B6-49AD-44DC-2518-5DA2518B3FB3}"/>
+              </a:ext>
+            </a:extLst>
+          </p:cNvPr>
+          <p:cNvSpPr>
+            <a:spLocks noGrp="1"/>
+          </p:cNvSpPr>
+          <p:nvPr>
+            <p:ph idx="11"/>
+          </p:nvPr>
+        </p:nvSpPr>
+        <p:spPr>
+          <a:xfrm>
+            <a:off x="8620298" y="1584960"/>
+            <a:ext cx="3080634" cy="4785360"/>
+          </a:xfrm>
+        </p:spPr>
+        <p:txBody>
+          <a:bodyPr/>
+          <a:lstStyle/>
+          <a:p>
+            <a:r>
+              <a:rPr lang="en-US" dirty="0"/>
+              <a:t>Action Values</a:t>
+            </a:r>
+          </a:p>
+          <a:p>
+            <a:pPr lvl="1"/>
+            <a:r>
+              <a:rPr lang="en-US" dirty="0"/>
+              <a:t>openComponent</a:t>
+            </a:r>
+          </a:p>
+          <a:p>
+            <a:pPr lvl="1"/>
+            <a:r>
+              <a:rPr lang="en-US" dirty="0"/>
+              <a:t>addComponent</a:t>
+            </a:r>
+          </a:p>
+          <a:p>
+            <a:pPr lvl="1"/>
+            <a:r>
+              <a:rPr lang="en-US" dirty="0"/>
+              <a:t>gotoVaultFile</a:t>
+            </a:r>
+          </a:p>
+          <a:p>
+            <a:pPr lvl="1"/>
+            <a:r>
+              <a:rPr lang="en-US" dirty="0"/>
+              <a:t>gotoVaultItem</a:t>
+            </a:r>
+          </a:p>
+          <a:p>
+            <a:r>
+              <a:rPr lang="en-US" dirty="0"/>
+              <a:t>Source Values</a:t>
+            </a:r>
+          </a:p>
+          <a:p>
+            <a:pPr lvl="1"/>
+            <a:r>
+              <a:rPr lang="en-US" b="1" dirty="0">
+                <a:highlight>
+                  <a:srgbClr val="FFFF00"/>
+                </a:highlight>
+              </a:rPr>
+              <a:t>file</a:t>
+            </a:r>
+            <a:r>
+              <a:rPr lang="en-US" dirty="0"/>
+              <a:t> | item | plm-item</a:t>
+            </a:r>
+          </a:p>
+        </p:txBody>
+      </p:sp>
+      <p:sp>
+        <p:nvSpPr>
+          <p:cNvPr id="2" name="Title 1">
+            <a:extLst>
+              <a:ext uri="{FF2B5EF4-FFF2-40B4-BE49-F238E27FC236}">
+                <a16:creationId xmlns:a16="http://schemas.microsoft.com/office/drawing/2014/main" id="{AC8764CD-1235-861A-C41B-9D6D9C6296BC}"/>
+              </a:ext>
+            </a:extLst>
+          </p:cNvPr>
+          <p:cNvSpPr>
+            <a:spLocks noGrp="1"/>
+          </p:cNvSpPr>
+          <p:nvPr>
+            <p:ph type="title"/>
+          </p:nvPr>
+        </p:nvSpPr>
+        <p:spPr/>
+        <p:txBody>
+          <a:bodyPr/>
+          <a:lstStyle/>
+          <a:p>
+            <a:r>
+              <a:rPr lang="en-US" dirty="0"/>
+              <a:t>WebMessage Parameters</a:t>
+            </a:r>
+          </a:p>
+        </p:txBody>
+      </p:sp>
+      <p:sp>
+        <p:nvSpPr>
+          <p:cNvPr id="5" name="Text Placeholder 4">
+            <a:extLst>
+              <a:ext uri="{FF2B5EF4-FFF2-40B4-BE49-F238E27FC236}">
+                <a16:creationId xmlns:a16="http://schemas.microsoft.com/office/drawing/2014/main" id="{640A2A83-C755-A40B-A3D4-BEF6A6AEDD2B}"/>
+              </a:ext>
+            </a:extLst>
+          </p:cNvPr>
+          <p:cNvSpPr>
+            <a:spLocks noGrp="1"/>
+          </p:cNvSpPr>
+          <p:nvPr>
+            <p:ph type="body" sz="quarter" idx="13"/>
+          </p:nvPr>
+        </p:nvSpPr>
+        <p:spPr/>
+        <p:txBody>
+          <a:bodyPr/>
+          <a:lstStyle/>
+          <a:p>
+            <a:r>
+              <a:rPr lang="en-US" dirty="0"/>
+              <a:t>Source = Vault File</a:t>
+            </a:r>
+          </a:p>
+        </p:txBody>
+      </p:sp>
+      <p:pic>
+        <p:nvPicPr>
+          <p:cNvPr id="12" name="Picture 11">
+            <a:extLst>
+              <a:ext uri="{FF2B5EF4-FFF2-40B4-BE49-F238E27FC236}">
+                <a16:creationId xmlns:a16="http://schemas.microsoft.com/office/drawing/2014/main" id="{60583252-5718-A98F-01A0-16E2D5E60C12}"/>
+              </a:ext>
+            </a:extLst>
+          </p:cNvPr>
+          <p:cNvPicPr>
+            <a:picLocks noChangeAspect="1"/>
+          </p:cNvPicPr>
+          <p:nvPr/>
+        </p:nvPicPr>
+        <p:blipFill>
+          <a:blip r:embed="rId2"/>
+          <a:stretch>
+            <a:fillRect/>
+          </a:stretch>
+        </p:blipFill>
+        <p:spPr>
+          <a:xfrm>
+            <a:off x="491068" y="2501889"/>
+            <a:ext cx="4580952" cy="3619048"/>
+          </a:xfrm>
+          <a:prstGeom prst="rect">
+            <a:avLst/>
+          </a:prstGeom>
+        </p:spPr>
+      </p:pic>
+    </p:spTree>
+    <p:extLst>
+      <p:ext uri="{BB962C8B-B14F-4D97-AF65-F5344CB8AC3E}">
+        <p14:creationId xmlns:p14="http://schemas.microsoft.com/office/powerpoint/2010/main" val="562437694"/>
+      </p:ext>
+    </p:extLst>
+  </p:cSld>
+  <p:clrMapOvr>
+    <a:masterClrMapping/>
+  </p:clrMapOvr>
+  <mc:AlternateContent xmlns:mc="http://schemas.openxmlformats.org/markup-compatibility/2006" xmlns:p14="http://schemas.microsoft.com/office/powerpoint/2010/main">
+    <mc:Choice Requires="p14">
+      <p:transition p14:dur="250">
+        <p:fade/>
+      </p:transition>
+    </mc:Choice>
+    <mc:Fallback xmlns="">
+      <p:transition>
+        <p:fade/>
+      </p:transition>
+    </mc:Fallback>
+  </mc:AlternateContent>
+</p:sld>
+</file>
+
+<file path=ppt/slides/slide12.xml><?xml version="1.0" encoding="utf-8"?>
+<p:sld xmlns:a="http://schemas.openxmlformats.org/drawingml/2006/main" xmlns:r="http://schemas.openxmlformats.org/officeDocument/2006/relationships" xmlns:p="http://schemas.openxmlformats.org/presentationml/2006/main">
+  <p:cSld>
+    <p:spTree>
+      <p:nvGrpSpPr>
+        <p:cNvPr id="1" name="">
+          <a:extLst>
+            <a:ext uri="{FF2B5EF4-FFF2-40B4-BE49-F238E27FC236}">
+              <a16:creationId xmlns:a16="http://schemas.microsoft.com/office/drawing/2014/main" id="{DA38A467-410E-5555-7878-B716744368A8}"/>
+            </a:ext>
+          </a:extLst>
+        </p:cNvPr>
+        <p:cNvGrpSpPr/>
+        <p:nvPr/>
+      </p:nvGrpSpPr>
+      <p:grpSpPr>
+        <a:xfrm>
+          <a:off x="0" y="0"/>
+          <a:ext cx="0" cy="0"/>
+          <a:chOff x="0" y="0"/>
+          <a:chExt cx="0" cy="0"/>
+        </a:xfrm>
+      </p:grpSpPr>
+      <p:sp>
+        <p:nvSpPr>
+          <p:cNvPr id="3" name="Content Placeholder 2">
+            <a:extLst>
+              <a:ext uri="{FF2B5EF4-FFF2-40B4-BE49-F238E27FC236}">
+                <a16:creationId xmlns:a16="http://schemas.microsoft.com/office/drawing/2014/main" id="{C58935DA-6B18-C79A-947F-EA0848B7508B}"/>
+              </a:ext>
+            </a:extLst>
+          </p:cNvPr>
+          <p:cNvSpPr>
+            <a:spLocks noGrp="1"/>
+          </p:cNvSpPr>
+          <p:nvPr>
+            <p:ph idx="1"/>
+          </p:nvPr>
+        </p:nvSpPr>
+        <p:spPr>
+          <a:xfrm>
+            <a:off x="491319" y="1584960"/>
+            <a:ext cx="7588651" cy="4785360"/>
+          </a:xfrm>
+        </p:spPr>
+        <p:txBody>
+          <a:bodyPr/>
+          <a:lstStyle/>
+          <a:p>
+            <a:r>
+              <a:rPr lang="en-US" dirty="0"/>
+              <a:t>Message format</a:t>
+            </a:r>
+          </a:p>
+          <a:p>
+            <a:pPr lvl="1"/>
+            <a:r>
+              <a:rPr lang="en-US" dirty="0"/>
+              <a:t>Action; Source; </a:t>
+            </a:r>
+            <a:r>
+              <a:rPr lang="en-US" b="1" dirty="0"/>
+              <a:t>ItemRevision(Id)</a:t>
+            </a:r>
+            <a:r>
+              <a:rPr lang="en-US" dirty="0"/>
+              <a:t>; </a:t>
+            </a:r>
+            <a:r>
+              <a:rPr lang="en-US" b="1" dirty="0"/>
+              <a:t>Number</a:t>
+            </a:r>
+          </a:p>
+        </p:txBody>
+      </p:sp>
+      <p:sp>
+        <p:nvSpPr>
+          <p:cNvPr id="4" name="Content Placeholder 3">
+            <a:extLst>
+              <a:ext uri="{FF2B5EF4-FFF2-40B4-BE49-F238E27FC236}">
+                <a16:creationId xmlns:a16="http://schemas.microsoft.com/office/drawing/2014/main" id="{CA3A3B2C-1F03-56FF-9D66-F78D25D244FE}"/>
+              </a:ext>
+            </a:extLst>
+          </p:cNvPr>
+          <p:cNvSpPr>
+            <a:spLocks noGrp="1"/>
+          </p:cNvSpPr>
+          <p:nvPr>
+            <p:ph idx="11"/>
+          </p:nvPr>
+        </p:nvSpPr>
+        <p:spPr>
+          <a:xfrm>
+            <a:off x="8620298" y="1584960"/>
+            <a:ext cx="3080634" cy="4785360"/>
+          </a:xfrm>
+        </p:spPr>
+        <p:txBody>
+          <a:bodyPr/>
+          <a:lstStyle/>
+          <a:p>
+            <a:r>
+              <a:rPr lang="en-US" dirty="0"/>
+              <a:t>Action Values</a:t>
+            </a:r>
+          </a:p>
+          <a:p>
+            <a:pPr lvl="1"/>
+            <a:r>
+              <a:rPr lang="en-US" dirty="0"/>
+              <a:t>openComponent</a:t>
+            </a:r>
+          </a:p>
+          <a:p>
+            <a:pPr lvl="1"/>
+            <a:r>
+              <a:rPr lang="en-US" dirty="0"/>
+              <a:t>addComponent</a:t>
+            </a:r>
+          </a:p>
+          <a:p>
+            <a:pPr lvl="1"/>
+            <a:r>
+              <a:rPr lang="en-US" dirty="0"/>
+              <a:t>gotoVaultFile</a:t>
+            </a:r>
+          </a:p>
+          <a:p>
+            <a:pPr lvl="1"/>
+            <a:r>
+              <a:rPr lang="en-US" dirty="0"/>
+              <a:t>gotoVaultItem</a:t>
+            </a:r>
+          </a:p>
+          <a:p>
+            <a:r>
+              <a:rPr lang="en-US" dirty="0"/>
+              <a:t>Source Values</a:t>
+            </a:r>
+          </a:p>
+          <a:p>
+            <a:pPr lvl="1"/>
+            <a:r>
+              <a:rPr lang="en-US" dirty="0"/>
+              <a:t>file | </a:t>
+            </a:r>
+            <a:r>
+              <a:rPr lang="en-US" b="1" dirty="0">
+                <a:highlight>
+                  <a:srgbClr val="FFFF00"/>
+                </a:highlight>
+              </a:rPr>
+              <a:t>item</a:t>
+            </a:r>
+            <a:r>
+              <a:rPr lang="en-US" dirty="0"/>
+              <a:t> | plm-item</a:t>
+            </a:r>
+          </a:p>
+        </p:txBody>
+      </p:sp>
+      <p:sp>
+        <p:nvSpPr>
+          <p:cNvPr id="2" name="Title 1">
+            <a:extLst>
+              <a:ext uri="{FF2B5EF4-FFF2-40B4-BE49-F238E27FC236}">
+                <a16:creationId xmlns:a16="http://schemas.microsoft.com/office/drawing/2014/main" id="{0516C7A1-D63A-D8A8-D0B4-51BDDEF8470C}"/>
+              </a:ext>
+            </a:extLst>
+          </p:cNvPr>
+          <p:cNvSpPr>
+            <a:spLocks noGrp="1"/>
+          </p:cNvSpPr>
+          <p:nvPr>
+            <p:ph type="title"/>
+          </p:nvPr>
+        </p:nvSpPr>
+        <p:spPr/>
+        <p:txBody>
+          <a:bodyPr/>
+          <a:lstStyle/>
+          <a:p>
+            <a:r>
+              <a:rPr lang="en-US" dirty="0"/>
+              <a:t>WebMessage Parameters</a:t>
+            </a:r>
+          </a:p>
+        </p:txBody>
+      </p:sp>
+      <p:sp>
+        <p:nvSpPr>
+          <p:cNvPr id="5" name="Text Placeholder 4">
+            <a:extLst>
+              <a:ext uri="{FF2B5EF4-FFF2-40B4-BE49-F238E27FC236}">
+                <a16:creationId xmlns:a16="http://schemas.microsoft.com/office/drawing/2014/main" id="{9F8D18F9-B1C1-A26A-4993-4732995BE7D1}"/>
+              </a:ext>
+            </a:extLst>
+          </p:cNvPr>
+          <p:cNvSpPr>
+            <a:spLocks noGrp="1"/>
+          </p:cNvSpPr>
+          <p:nvPr>
+            <p:ph type="body" sz="quarter" idx="13"/>
+          </p:nvPr>
+        </p:nvSpPr>
+        <p:spPr/>
+        <p:txBody>
+          <a:bodyPr/>
+          <a:lstStyle/>
+          <a:p>
+            <a:r>
+              <a:rPr lang="en-US" dirty="0"/>
+              <a:t>Source = Vault Item</a:t>
+            </a:r>
+          </a:p>
+        </p:txBody>
+      </p:sp>
+      <p:pic>
+        <p:nvPicPr>
+          <p:cNvPr id="7" name="Picture 6">
+            <a:extLst>
+              <a:ext uri="{FF2B5EF4-FFF2-40B4-BE49-F238E27FC236}">
+                <a16:creationId xmlns:a16="http://schemas.microsoft.com/office/drawing/2014/main" id="{3F071A25-772A-ACB6-FBB8-599F2C999E96}"/>
+              </a:ext>
+            </a:extLst>
+          </p:cNvPr>
+          <p:cNvPicPr>
+            <a:picLocks noChangeAspect="1"/>
+          </p:cNvPicPr>
+          <p:nvPr/>
+        </p:nvPicPr>
+        <p:blipFill>
+          <a:blip r:embed="rId2"/>
+          <a:stretch>
+            <a:fillRect/>
+          </a:stretch>
+        </p:blipFill>
+        <p:spPr>
+          <a:xfrm>
+            <a:off x="491068" y="2511510"/>
+            <a:ext cx="4657143" cy="4076190"/>
+          </a:xfrm>
+          <a:prstGeom prst="rect">
+            <a:avLst/>
+          </a:prstGeom>
+        </p:spPr>
+      </p:pic>
+    </p:spTree>
+    <p:extLst>
+      <p:ext uri="{BB962C8B-B14F-4D97-AF65-F5344CB8AC3E}">
+        <p14:creationId xmlns:p14="http://schemas.microsoft.com/office/powerpoint/2010/main" val="3525727254"/>
+      </p:ext>
+    </p:extLst>
+  </p:cSld>
+  <p:clrMapOvr>
+    <a:masterClrMapping/>
+  </p:clrMapOvr>
+  <mc:AlternateContent xmlns:mc="http://schemas.openxmlformats.org/markup-compatibility/2006" xmlns:p14="http://schemas.microsoft.com/office/powerpoint/2010/main">
+    <mc:Choice Requires="p14">
+      <p:transition p14:dur="250">
+        <p:fade/>
+      </p:transition>
+    </mc:Choice>
+    <mc:Fallback xmlns="">
+      <p:transition>
+        <p:fade/>
+      </p:transition>
+    </mc:Fallback>
+  </mc:AlternateContent>
+</p:sld>
+</file>
+
+<file path=ppt/slides/slide13.xml><?xml version="1.0" encoding="utf-8"?>
+<p:sld xmlns:a="http://schemas.openxmlformats.org/drawingml/2006/main" xmlns:r="http://schemas.openxmlformats.org/officeDocument/2006/relationships" xmlns:p="http://schemas.openxmlformats.org/presentationml/2006/main">
+  <p:cSld>
+    <p:spTree>
+      <p:nvGrpSpPr>
+        <p:cNvPr id="1" name="">
+          <a:extLst>
+            <a:ext uri="{FF2B5EF4-FFF2-40B4-BE49-F238E27FC236}">
+              <a16:creationId xmlns:a16="http://schemas.microsoft.com/office/drawing/2014/main" id="{19E4CBCE-0BE6-D383-FE6D-2FD775E6EC13}"/>
+            </a:ext>
+          </a:extLst>
+        </p:cNvPr>
+        <p:cNvGrpSpPr/>
+        <p:nvPr/>
+      </p:nvGrpSpPr>
+      <p:grpSpPr>
+        <a:xfrm>
+          <a:off x="0" y="0"/>
+          <a:ext cx="0" cy="0"/>
+          <a:chOff x="0" y="0"/>
+          <a:chExt cx="0" cy="0"/>
+        </a:xfrm>
+      </p:grpSpPr>
+      <p:sp>
+        <p:nvSpPr>
+          <p:cNvPr id="3" name="Content Placeholder 2">
+            <a:extLst>
+              <a:ext uri="{FF2B5EF4-FFF2-40B4-BE49-F238E27FC236}">
+                <a16:creationId xmlns:a16="http://schemas.microsoft.com/office/drawing/2014/main" id="{C9BA15FB-7EFB-7C37-FBF4-44DE207EF304}"/>
+              </a:ext>
+            </a:extLst>
+          </p:cNvPr>
+          <p:cNvSpPr>
+            <a:spLocks noGrp="1"/>
+          </p:cNvSpPr>
+          <p:nvPr>
+            <p:ph idx="1"/>
+          </p:nvPr>
+        </p:nvSpPr>
+        <p:spPr>
+          <a:xfrm>
+            <a:off x="491319" y="1584960"/>
+            <a:ext cx="7588651" cy="4785360"/>
+          </a:xfrm>
+        </p:spPr>
+        <p:txBody>
+          <a:bodyPr/>
+          <a:lstStyle/>
+          <a:p>
+            <a:r>
+              <a:rPr lang="en-US" dirty="0"/>
+              <a:t>Message format</a:t>
+            </a:r>
+          </a:p>
+          <a:p>
+            <a:pPr lvl="1"/>
+            <a:r>
+              <a:rPr lang="en-US" dirty="0"/>
+              <a:t>Action; Source; </a:t>
+            </a:r>
+            <a:r>
+              <a:rPr lang="en-US" b="1" dirty="0"/>
+              <a:t>Number</a:t>
+            </a:r>
+            <a:r>
+              <a:rPr lang="en-US" dirty="0"/>
+              <a:t>; </a:t>
+            </a:r>
+            <a:r>
+              <a:rPr lang="en-US" b="1" dirty="0"/>
+              <a:t>Item Descriptor [Rev]</a:t>
+            </a:r>
+            <a:r>
+              <a:rPr lang="en-US" dirty="0"/>
+              <a:t>; </a:t>
+            </a:r>
+            <a:r>
+              <a:rPr lang="en-US" b="1" dirty="0"/>
+              <a:t>urn</a:t>
+            </a:r>
+          </a:p>
+        </p:txBody>
+      </p:sp>
+      <p:sp>
+        <p:nvSpPr>
+          <p:cNvPr id="4" name="Content Placeholder 3">
+            <a:extLst>
+              <a:ext uri="{FF2B5EF4-FFF2-40B4-BE49-F238E27FC236}">
+                <a16:creationId xmlns:a16="http://schemas.microsoft.com/office/drawing/2014/main" id="{3E851DE2-6E89-77F3-6623-AF3CC73DE665}"/>
+              </a:ext>
+            </a:extLst>
+          </p:cNvPr>
+          <p:cNvSpPr>
+            <a:spLocks noGrp="1"/>
+          </p:cNvSpPr>
+          <p:nvPr>
+            <p:ph idx="11"/>
+          </p:nvPr>
+        </p:nvSpPr>
+        <p:spPr>
+          <a:xfrm>
+            <a:off x="8620298" y="1584960"/>
+            <a:ext cx="3080634" cy="4785360"/>
+          </a:xfrm>
+        </p:spPr>
+        <p:txBody>
+          <a:bodyPr/>
+          <a:lstStyle/>
+          <a:p>
+            <a:r>
+              <a:rPr lang="en-US" dirty="0"/>
+              <a:t>Action Values</a:t>
+            </a:r>
+          </a:p>
+          <a:p>
+            <a:pPr lvl="1"/>
+            <a:r>
+              <a:rPr lang="en-US" dirty="0"/>
+              <a:t>openComponent</a:t>
+            </a:r>
+          </a:p>
+          <a:p>
+            <a:pPr lvl="1"/>
+            <a:r>
+              <a:rPr lang="en-US" dirty="0"/>
+              <a:t>addComponent</a:t>
+            </a:r>
+          </a:p>
+          <a:p>
+            <a:pPr lvl="1"/>
+            <a:r>
+              <a:rPr lang="en-US" dirty="0"/>
+              <a:t>gotoVaultFile</a:t>
+            </a:r>
+          </a:p>
+          <a:p>
+            <a:pPr lvl="1"/>
+            <a:r>
+              <a:rPr lang="en-US" dirty="0"/>
+              <a:t>gotoVaultItem</a:t>
+            </a:r>
+          </a:p>
+          <a:p>
+            <a:r>
+              <a:rPr lang="en-US" dirty="0"/>
+              <a:t>Source Values</a:t>
+            </a:r>
+          </a:p>
+          <a:p>
+            <a:pPr lvl="1"/>
+            <a:r>
+              <a:rPr lang="en-US" dirty="0"/>
+              <a:t>file | item | </a:t>
+            </a:r>
+            <a:r>
+              <a:rPr lang="en-US" b="1" dirty="0">
+                <a:highlight>
+                  <a:srgbClr val="FFFF00"/>
+                </a:highlight>
+              </a:rPr>
+              <a:t>plm-item</a:t>
+            </a:r>
+          </a:p>
+        </p:txBody>
+      </p:sp>
+      <p:sp>
+        <p:nvSpPr>
+          <p:cNvPr id="2" name="Title 1">
+            <a:extLst>
+              <a:ext uri="{FF2B5EF4-FFF2-40B4-BE49-F238E27FC236}">
+                <a16:creationId xmlns:a16="http://schemas.microsoft.com/office/drawing/2014/main" id="{AA97C022-3F32-69BF-731F-AB43426ACDA0}"/>
+              </a:ext>
+            </a:extLst>
+          </p:cNvPr>
+          <p:cNvSpPr>
+            <a:spLocks noGrp="1"/>
+          </p:cNvSpPr>
+          <p:nvPr>
+            <p:ph type="title"/>
+          </p:nvPr>
+        </p:nvSpPr>
+        <p:spPr/>
+        <p:txBody>
+          <a:bodyPr/>
+          <a:lstStyle/>
+          <a:p>
+            <a:r>
+              <a:rPr lang="en-US" dirty="0"/>
+              <a:t>WebMessage Parameters</a:t>
+            </a:r>
+          </a:p>
+        </p:txBody>
+      </p:sp>
+      <p:sp>
+        <p:nvSpPr>
+          <p:cNvPr id="5" name="Text Placeholder 4">
+            <a:extLst>
+              <a:ext uri="{FF2B5EF4-FFF2-40B4-BE49-F238E27FC236}">
+                <a16:creationId xmlns:a16="http://schemas.microsoft.com/office/drawing/2014/main" id="{137FA7A0-ECDC-4058-86EC-0C13B1CE6B90}"/>
+              </a:ext>
+            </a:extLst>
+          </p:cNvPr>
+          <p:cNvSpPr>
+            <a:spLocks noGrp="1"/>
+          </p:cNvSpPr>
+          <p:nvPr>
+            <p:ph type="body" sz="quarter" idx="13"/>
+          </p:nvPr>
+        </p:nvSpPr>
+        <p:spPr/>
+        <p:txBody>
+          <a:bodyPr/>
+          <a:lstStyle/>
+          <a:p>
+            <a:r>
+              <a:rPr lang="en-US" dirty="0"/>
+              <a:t>Source = Fusion Manage Item</a:t>
+            </a:r>
+          </a:p>
+        </p:txBody>
+      </p:sp>
+      <p:pic>
+        <p:nvPicPr>
+          <p:cNvPr id="7" name="Picture 6">
+            <a:extLst>
+              <a:ext uri="{FF2B5EF4-FFF2-40B4-BE49-F238E27FC236}">
+                <a16:creationId xmlns:a16="http://schemas.microsoft.com/office/drawing/2014/main" id="{9B45DDC6-2200-ADFA-718F-2A00A5D80DB9}"/>
+              </a:ext>
+            </a:extLst>
+          </p:cNvPr>
+          <p:cNvPicPr>
+            <a:picLocks noChangeAspect="1"/>
+          </p:cNvPicPr>
+          <p:nvPr/>
+        </p:nvPicPr>
+        <p:blipFill>
+          <a:blip r:embed="rId2"/>
+          <a:stretch>
+            <a:fillRect/>
+          </a:stretch>
+        </p:blipFill>
+        <p:spPr>
+          <a:xfrm>
+            <a:off x="491068" y="2566182"/>
+            <a:ext cx="6867525" cy="3743325"/>
+          </a:xfrm>
+          <a:prstGeom prst="rect">
+            <a:avLst/>
+          </a:prstGeom>
+        </p:spPr>
+      </p:pic>
+    </p:spTree>
+    <p:extLst>
+      <p:ext uri="{BB962C8B-B14F-4D97-AF65-F5344CB8AC3E}">
+        <p14:creationId xmlns:p14="http://schemas.microsoft.com/office/powerpoint/2010/main" val="1785228627"/>
+      </p:ext>
+    </p:extLst>
+  </p:cSld>
+  <p:clrMapOvr>
+    <a:masterClrMapping/>
+  </p:clrMapOvr>
+  <mc:AlternateContent xmlns:mc="http://schemas.openxmlformats.org/markup-compatibility/2006" xmlns:p14="http://schemas.microsoft.com/office/powerpoint/2010/main">
+    <mc:Choice Requires="p14">
+      <p:transition p14:dur="250">
+        <p:fade/>
+      </p:transition>
+    </mc:Choice>
+    <mc:Fallback xmlns="">
+      <p:transition>
+        <p:fade/>
+      </p:transition>
+    </mc:Fallback>
+  </mc:AlternateContent>
+</p:sld>
+</file>
+
+<file path=ppt/slides/slide14.xml><?xml version="1.0" encoding="utf-8"?>
+<p:sld xmlns:a="http://schemas.openxmlformats.org/drawingml/2006/main" xmlns:r="http://schemas.openxmlformats.org/officeDocument/2006/relationships" xmlns:p="http://schemas.openxmlformats.org/presentationml/2006/main">
+  <p:cSld>
+    <p:spTree>
+      <p:nvGrpSpPr>
+        <p:cNvPr id="1" name=""/>
+        <p:cNvGrpSpPr/>
+        <p:nvPr/>
+      </p:nvGrpSpPr>
+      <p:grpSpPr>
+        <a:xfrm>
+          <a:off x="0" y="0"/>
+          <a:ext cx="0" cy="0"/>
+          <a:chOff x="0" y="0"/>
+          <a:chExt cx="0" cy="0"/>
+        </a:xfrm>
+      </p:grpSpPr>
+      <p:sp>
+        <p:nvSpPr>
+          <p:cNvPr id="3" name="Title 2">
+            <a:extLst>
+              <a:ext uri="{FF2B5EF4-FFF2-40B4-BE49-F238E27FC236}">
+                <a16:creationId xmlns:a16="http://schemas.microsoft.com/office/drawing/2014/main" id="{6E7EB174-D180-4C5A-86DF-BA2A7D248947}"/>
+              </a:ext>
+            </a:extLst>
+          </p:cNvPr>
+          <p:cNvSpPr>
+            <a:spLocks noGrp="1"/>
+          </p:cNvSpPr>
+          <p:nvPr>
+            <p:ph type="title"/>
+          </p:nvPr>
+        </p:nvSpPr>
+        <p:spPr/>
+        <p:txBody>
+          <a:bodyPr/>
+          <a:lstStyle/>
+          <a:p>
+            <a:r>
+              <a:rPr lang="en-US" dirty="0"/>
+              <a:t>Summary</a:t>
+            </a:r>
+            <a:endParaRPr lang="en-DE" dirty="0"/>
+          </a:p>
+        </p:txBody>
+      </p:sp>
+      <p:sp>
+        <p:nvSpPr>
+          <p:cNvPr id="6" name="Text Placeholder 5">
+            <a:extLst>
+              <a:ext uri="{FF2B5EF4-FFF2-40B4-BE49-F238E27FC236}">
+                <a16:creationId xmlns:a16="http://schemas.microsoft.com/office/drawing/2014/main" id="{FA0C6A65-E986-4DD7-A2B3-0CB7AA582716}"/>
+              </a:ext>
+            </a:extLst>
+          </p:cNvPr>
+          <p:cNvSpPr>
+            <a:spLocks noGrp="1"/>
+          </p:cNvSpPr>
+          <p:nvPr>
+            <p:ph type="body" sz="quarter" idx="13"/>
+          </p:nvPr>
+        </p:nvSpPr>
+        <p:spPr/>
+        <p:txBody>
+          <a:bodyPr/>
+          <a:lstStyle/>
+          <a:p>
+            <a:endParaRPr lang="en-DE"/>
+          </a:p>
+        </p:txBody>
+      </p:sp>
+      <p:sp>
+        <p:nvSpPr>
+          <p:cNvPr id="4" name="Content Placeholder 3">
+            <a:extLst>
+              <a:ext uri="{FF2B5EF4-FFF2-40B4-BE49-F238E27FC236}">
+                <a16:creationId xmlns:a16="http://schemas.microsoft.com/office/drawing/2014/main" id="{CF8A1B68-602A-4050-82E6-05090EA04415}"/>
+              </a:ext>
+            </a:extLst>
+          </p:cNvPr>
+          <p:cNvSpPr>
+            <a:spLocks noGrp="1"/>
+          </p:cNvSpPr>
+          <p:nvPr>
+            <p:ph idx="1"/>
+          </p:nvPr>
+        </p:nvSpPr>
+        <p:spPr/>
+        <p:txBody>
+          <a:bodyPr/>
+          <a:lstStyle/>
+          <a:p>
+            <a:endParaRPr lang="en-DE"/>
+          </a:p>
+        </p:txBody>
+      </p:sp>
+      <p:sp>
+        <p:nvSpPr>
+          <p:cNvPr id="7" name="Picture Placeholder 6">
+            <a:extLst>
+              <a:ext uri="{FF2B5EF4-FFF2-40B4-BE49-F238E27FC236}">
+                <a16:creationId xmlns:a16="http://schemas.microsoft.com/office/drawing/2014/main" id="{23E2195E-1C04-44A2-A5D9-29B726A6E84A}"/>
+              </a:ext>
+            </a:extLst>
+          </p:cNvPr>
+          <p:cNvSpPr>
+            <a:spLocks noGrp="1"/>
+          </p:cNvSpPr>
+          <p:nvPr>
+            <p:ph type="pic" sz="quarter" idx="15"/>
+          </p:nvPr>
+        </p:nvSpPr>
+        <p:spPr/>
+        <p:txBody>
+          <a:bodyPr/>
+          <a:lstStyle/>
+          <a:p>
+            <a:endParaRPr lang="en-US"/>
+          </a:p>
+        </p:txBody>
+      </p:sp>
+      <p:sp>
+        <p:nvSpPr>
+          <p:cNvPr id="5" name="Text Placeholder 4">
+            <a:extLst>
+              <a:ext uri="{FF2B5EF4-FFF2-40B4-BE49-F238E27FC236}">
+                <a16:creationId xmlns:a16="http://schemas.microsoft.com/office/drawing/2014/main" id="{B6CBA85F-3564-483C-BE82-C7CCFC08C90A}"/>
+              </a:ext>
+            </a:extLst>
+          </p:cNvPr>
+          <p:cNvSpPr>
+            <a:spLocks noGrp="1"/>
+          </p:cNvSpPr>
+          <p:nvPr>
+            <p:ph type="body" sz="quarter" idx="12"/>
+          </p:nvPr>
+        </p:nvSpPr>
+        <p:spPr/>
+        <p:txBody>
+          <a:bodyPr/>
+          <a:lstStyle/>
+          <a:p>
+            <a:endParaRPr lang="en-DE"/>
+          </a:p>
+        </p:txBody>
+      </p:sp>
+    </p:spTree>
+    <p:extLst>
+      <p:ext uri="{BB962C8B-B14F-4D97-AF65-F5344CB8AC3E}">
+        <p14:creationId xmlns:p14="http://schemas.microsoft.com/office/powerpoint/2010/main" val="1890605589"/>
+      </p:ext>
+    </p:extLst>
+  </p:cSld>
+  <p:clrMapOvr>
+    <a:masterClrMapping/>
+  </p:clrMapOvr>
+  <mc:AlternateContent xmlns:mc="http://schemas.openxmlformats.org/markup-compatibility/2006" xmlns:p14="http://schemas.microsoft.com/office/powerpoint/2010/main">
+    <mc:Choice Requires="p14">
+      <p:transition p14:dur="250">
+        <p:fade/>
+      </p:transition>
+    </mc:Choice>
+    <mc:Fallback xmlns="">
+      <p:transition>
+        <p:fade/>
+      </p:transition>
+    </mc:Fallback>
+  </mc:AlternateContent>
+</p:sld>
+</file>
+
+<file path=ppt/slides/slide15.xml><?xml version="1.0" encoding="utf-8"?>
+<p:sld xmlns:a="http://schemas.openxmlformats.org/drawingml/2006/main" xmlns:r="http://schemas.openxmlformats.org/officeDocument/2006/relationships" xmlns:p="http://schemas.openxmlformats.org/presentationml/2006/main">
+  <p:cSld>
+    <p:spTree>
+      <p:nvGrpSpPr>
+        <p:cNvPr id="1" name=""/>
+        <p:cNvGrpSpPr/>
+        <p:nvPr/>
+      </p:nvGrpSpPr>
+      <p:grpSpPr>
+        <a:xfrm>
+          <a:off x="0" y="0"/>
+          <a:ext cx="0" cy="0"/>
+          <a:chOff x="0" y="0"/>
+          <a:chExt cx="0" cy="0"/>
+        </a:xfrm>
+      </p:grpSpPr>
+      <p:sp>
+        <p:nvSpPr>
+          <p:cNvPr id="7" name="Text Placeholder 6">
+            <a:extLst>
+              <a:ext uri="{FF2B5EF4-FFF2-40B4-BE49-F238E27FC236}">
+                <a16:creationId xmlns:a16="http://schemas.microsoft.com/office/drawing/2014/main" id="{2F39F900-5C63-4D38-A5D8-4B8DDED43E83}"/>
+              </a:ext>
+            </a:extLst>
+          </p:cNvPr>
+          <p:cNvSpPr>
+            <a:spLocks noGrp="1"/>
+          </p:cNvSpPr>
+          <p:nvPr>
+            <p:ph type="body" sz="quarter" idx="10"/>
+          </p:nvPr>
+        </p:nvSpPr>
+        <p:spPr/>
+        <p:txBody>
+          <a:bodyPr/>
+          <a:lstStyle/>
+          <a:p>
+            <a:endParaRPr lang="en-DE"/>
+          </a:p>
+        </p:txBody>
+      </p:sp>
+    </p:spTree>
+    <p:extLst>
+      <p:ext uri="{BB962C8B-B14F-4D97-AF65-F5344CB8AC3E}">
+        <p14:creationId xmlns:p14="http://schemas.microsoft.com/office/powerpoint/2010/main" val="4186095631"/>
+      </p:ext>
+    </p:extLst>
+  </p:cSld>
+  <p:clrMapOvr>
+    <a:masterClrMapping/>
+  </p:clrMapOvr>
+  <mc:AlternateContent xmlns:mc="http://schemas.openxmlformats.org/markup-compatibility/2006" xmlns:p14="http://schemas.microsoft.com/office/powerpoint/2010/main">
+    <mc:Choice Requires="p14">
+      <p:transition p14:dur="250">
+        <p:fade/>
+      </p:transition>
+    </mc:Choice>
+    <mc:Fallback xmlns="">
+      <p:transition>
+        <p:fade/>
+      </p:transition>
+    </mc:Fallback>
+  </mc:AlternateContent>
+</p:sld>
+</file>
+
 <file path=ppt/slides/slide2.xml><?xml version="1.0" encoding="utf-8"?>
 <p:sld xmlns:a="http://schemas.openxmlformats.org/drawingml/2006/main" xmlns:r="http://schemas.openxmlformats.org/officeDocument/2006/relationships" xmlns:p="http://schemas.openxmlformats.org/presentationml/2006/main">
   <p:cSld>
@@ -11820,12 +13519,20 @@
             <p:ph type="body" sz="quarter" idx="13"/>
           </p:nvPr>
         </p:nvSpPr>
-        <p:spPr/>
+        <p:spPr>
+          <a:xfrm>
+            <a:off x="6271684" y="1039285"/>
+            <a:ext cx="5719278" cy="328295"/>
+          </a:xfrm>
+        </p:spPr>
         <p:txBody>
           <a:bodyPr/>
           <a:lstStyle/>
           <a:p>
-            <a:endParaRPr lang="en-US"/>
+            <a:r>
+              <a:rPr lang="en-US" dirty="0"/>
+              <a:t>Vault plm extensions for Vault and Inventor</a:t>
+            </a:r>
           </a:p>
         </p:txBody>
       </p:sp>
@@ -11847,19 +13554,74 @@
         </p:nvSpPr>
         <p:spPr/>
         <p:txBody>
-          <a:bodyPr/>
+          <a:bodyPr>
+            <a:normAutofit/>
+          </a:bodyPr>
           <a:lstStyle/>
           <a:p>
-            <a:endParaRPr lang="en-US"/>
+            <a:r>
+              <a:rPr lang="en-US" dirty="0"/>
+              <a:t>Positioning and outcome options</a:t>
+            </a:r>
+          </a:p>
+          <a:p>
+            <a:r>
+              <a:rPr lang="en-US" dirty="0"/>
+              <a:t>Use case - engineering task sample</a:t>
+            </a:r>
+          </a:p>
+          <a:p>
+            <a:pPr lvl="1"/>
+            <a:r>
+              <a:rPr lang="en-US" dirty="0"/>
+              <a:t>PDM-centric workflow option</a:t>
+            </a:r>
+          </a:p>
+          <a:p>
+            <a:pPr lvl="1"/>
+            <a:r>
+              <a:rPr lang="en-US" dirty="0"/>
+              <a:t>CAD-centric workflow option</a:t>
+            </a:r>
+          </a:p>
+          <a:p>
+            <a:r>
+              <a:rPr lang="en-US" dirty="0"/>
+              <a:t>Installation</a:t>
+            </a:r>
+          </a:p>
+          <a:p>
+            <a:pPr lvl="1"/>
+            <a:r>
+              <a:rPr lang="en-US" dirty="0"/>
+              <a:t>MSI Installer</a:t>
+            </a:r>
+          </a:p>
+          <a:p>
+            <a:pPr lvl="1"/>
+            <a:r>
+              <a:rPr lang="en-US" dirty="0"/>
+              <a:t>Individual configuration settings</a:t>
+            </a:r>
+          </a:p>
+          <a:p>
+            <a:r>
+              <a:rPr lang="en-US" dirty="0"/>
+              <a:t>Looking behind the scenes</a:t>
+            </a:r>
+          </a:p>
+          <a:p>
+            <a:pPr lvl="1"/>
+            <a:endParaRPr lang="en-US" dirty="0"/>
           </a:p>
         </p:txBody>
       </p:sp>
       <p:pic>
         <p:nvPicPr>
-          <p:cNvPr id="8" name="Picture 7">
-            <a:extLst>
-              <a:ext uri="{FF2B5EF4-FFF2-40B4-BE49-F238E27FC236}">
-                <a16:creationId xmlns:a16="http://schemas.microsoft.com/office/drawing/2014/main" id="{EFA931EA-391F-9EE4-0BF1-2DB567F1A0A5}"/>
+          <p:cNvPr id="6" name="Picture 5">
+            <a:extLst>
+              <a:ext uri="{FF2B5EF4-FFF2-40B4-BE49-F238E27FC236}">
+                <a16:creationId xmlns:a16="http://schemas.microsoft.com/office/drawing/2014/main" id="{A554F64C-51A9-5963-020F-73F137F049E3}"/>
               </a:ext>
             </a:extLst>
           </p:cNvPr>
@@ -11876,12 +13638,102 @@
         </p:blipFill>
         <p:spPr>
           <a:xfrm>
-            <a:off x="184150" y="1019109"/>
-            <a:ext cx="3719885" cy="1020100"/>
+            <a:off x="183677" y="1509339"/>
+            <a:ext cx="2566008" cy="3428270"/>
           </a:xfrm>
           <a:prstGeom prst="rect">
             <a:avLst/>
           </a:prstGeom>
+          <a:ln>
+            <a:noFill/>
+          </a:ln>
+          <a:effectLst>
+            <a:outerShdw blurRad="292100" dist="139700" dir="2700000" algn="tl" rotWithShape="0">
+              <a:srgbClr val="333333">
+                <a:alpha val="65000"/>
+              </a:srgbClr>
+            </a:outerShdw>
+          </a:effectLst>
+        </p:spPr>
+      </p:pic>
+      <p:pic>
+        <p:nvPicPr>
+          <p:cNvPr id="4" name="Picture 3">
+            <a:extLst>
+              <a:ext uri="{FF2B5EF4-FFF2-40B4-BE49-F238E27FC236}">
+                <a16:creationId xmlns:a16="http://schemas.microsoft.com/office/drawing/2014/main" id="{D025C3E4-5F71-DE6D-4964-175021B4959C}"/>
+              </a:ext>
+            </a:extLst>
+          </p:cNvPr>
+          <p:cNvPicPr>
+            <a:picLocks noChangeAspect="1"/>
+          </p:cNvPicPr>
+          <p:nvPr/>
+        </p:nvPicPr>
+        <p:blipFill>
+          <a:blip r:embed="rId3"/>
+          <a:stretch>
+            <a:fillRect/>
+          </a:stretch>
+        </p:blipFill>
+        <p:spPr>
+          <a:xfrm>
+            <a:off x="3119742" y="1509339"/>
+            <a:ext cx="2637816" cy="4378561"/>
+          </a:xfrm>
+          <a:prstGeom prst="rect">
+            <a:avLst/>
+          </a:prstGeom>
+          <a:ln>
+            <a:noFill/>
+          </a:ln>
+          <a:effectLst>
+            <a:outerShdw blurRad="292100" dist="139700" dir="2700000" algn="tl" rotWithShape="0">
+              <a:srgbClr val="333333">
+                <a:alpha val="65000"/>
+              </a:srgbClr>
+            </a:outerShdw>
+          </a:effectLst>
+        </p:spPr>
+      </p:pic>
+      <p:pic>
+        <p:nvPicPr>
+          <p:cNvPr id="9" name="Picture 8">
+            <a:extLst>
+              <a:ext uri="{FF2B5EF4-FFF2-40B4-BE49-F238E27FC236}">
+                <a16:creationId xmlns:a16="http://schemas.microsoft.com/office/drawing/2014/main" id="{B35D36C6-9EB9-0855-0366-755C59030FC0}"/>
+              </a:ext>
+            </a:extLst>
+          </p:cNvPr>
+          <p:cNvPicPr>
+            <a:picLocks noChangeAspect="1"/>
+          </p:cNvPicPr>
+          <p:nvPr/>
+        </p:nvPicPr>
+        <p:blipFill>
+          <a:blip r:embed="rId4"/>
+          <a:stretch>
+            <a:fillRect/>
+          </a:stretch>
+        </p:blipFill>
+        <p:spPr>
+          <a:xfrm>
+            <a:off x="943280" y="3095646"/>
+            <a:ext cx="2637816" cy="3524208"/>
+          </a:xfrm>
+          <a:prstGeom prst="rect">
+            <a:avLst/>
+          </a:prstGeom>
+          <a:ln>
+            <a:noFill/>
+          </a:ln>
+          <a:effectLst>
+            <a:outerShdw blurRad="292100" dist="139700" dir="2700000" algn="tl" rotWithShape="0">
+              <a:srgbClr val="333333">
+                <a:alpha val="65000"/>
+              </a:srgbClr>
+            </a:outerShdw>
+          </a:effectLst>
         </p:spPr>
       </p:pic>
     </p:spTree>
@@ -11928,208 +13780,167 @@
       </p:grpSpPr>
       <p:sp>
         <p:nvSpPr>
-          <p:cNvPr id="3" name="Content Placeholder 2">
-            <a:extLst>
-              <a:ext uri="{FF2B5EF4-FFF2-40B4-BE49-F238E27FC236}">
-                <a16:creationId xmlns:a16="http://schemas.microsoft.com/office/drawing/2014/main" id="{DB2BE244-36B1-1A68-D556-38FA7493652B}"/>
-              </a:ext>
-            </a:extLst>
-          </p:cNvPr>
-          <p:cNvSpPr>
-            <a:spLocks noGrp="1"/>
-          </p:cNvSpPr>
-          <p:nvPr>
-            <p:ph idx="1"/>
-          </p:nvPr>
-        </p:nvSpPr>
-        <p:spPr>
-          <a:xfrm>
-            <a:off x="491319" y="1584960"/>
-            <a:ext cx="7588651" cy="4785360"/>
-          </a:xfrm>
-        </p:spPr>
+          <p:cNvPr id="5" name="Title 4">
+            <a:extLst>
+              <a:ext uri="{FF2B5EF4-FFF2-40B4-BE49-F238E27FC236}">
+                <a16:creationId xmlns:a16="http://schemas.microsoft.com/office/drawing/2014/main" id="{7BF8BDA1-3CB6-580A-A38F-CA6D32BE3483}"/>
+              </a:ext>
+            </a:extLst>
+          </p:cNvPr>
+          <p:cNvSpPr>
+            <a:spLocks noGrp="1"/>
+          </p:cNvSpPr>
+          <p:nvPr>
+            <p:ph type="title"/>
+          </p:nvPr>
+        </p:nvSpPr>
+        <p:spPr/>
         <p:txBody>
           <a:bodyPr/>
           <a:lstStyle/>
           <a:p>
             <a:r>
               <a:rPr lang="en-US" dirty="0"/>
-              <a:t>Message format</a:t>
-            </a:r>
-          </a:p>
-          <a:p>
-            <a:pPr lvl="1"/>
-            <a:r>
-              <a:rPr lang="en-US" dirty="0"/>
-              <a:t>Action; Source; </a:t>
-            </a:r>
-            <a:r>
-              <a:rPr lang="en-US" b="1" dirty="0"/>
-              <a:t>FileIterationId</a:t>
-            </a:r>
-            <a:r>
-              <a:rPr lang="en-US" dirty="0"/>
-              <a:t>; </a:t>
-            </a:r>
-            <a:r>
-              <a:rPr lang="en-US" b="1" dirty="0" err="1"/>
-              <a:t>Filename.Ext</a:t>
-            </a:r>
-            <a:r>
-              <a:rPr lang="en-US" dirty="0"/>
-              <a:t>; </a:t>
-            </a:r>
-            <a:r>
-              <a:rPr lang="en-US" b="1" dirty="0"/>
-              <a:t>MasterId</a:t>
-            </a:r>
-          </a:p>
-        </p:txBody>
-      </p:sp>
-      <p:sp>
-        <p:nvSpPr>
-          <p:cNvPr id="4" name="Content Placeholder 3">
-            <a:extLst>
-              <a:ext uri="{FF2B5EF4-FFF2-40B4-BE49-F238E27FC236}">
-                <a16:creationId xmlns:a16="http://schemas.microsoft.com/office/drawing/2014/main" id="{5779F1B6-49AD-44DC-2518-5DA2518B3FB3}"/>
-              </a:ext>
-            </a:extLst>
-          </p:cNvPr>
-          <p:cNvSpPr>
-            <a:spLocks noGrp="1"/>
-          </p:cNvSpPr>
-          <p:nvPr>
-            <p:ph idx="11"/>
-          </p:nvPr>
-        </p:nvSpPr>
-        <p:spPr>
-          <a:xfrm>
-            <a:off x="8620298" y="1584960"/>
-            <a:ext cx="3080634" cy="4785360"/>
-          </a:xfrm>
-        </p:spPr>
+              <a:t>Vault plm Extensions</a:t>
+            </a:r>
+          </a:p>
+        </p:txBody>
+      </p:sp>
+      <p:sp>
+        <p:nvSpPr>
+          <p:cNvPr id="7" name="Text Placeholder 6">
+            <a:extLst>
+              <a:ext uri="{FF2B5EF4-FFF2-40B4-BE49-F238E27FC236}">
+                <a16:creationId xmlns:a16="http://schemas.microsoft.com/office/drawing/2014/main" id="{E749CDCA-D641-0002-8D84-F915ACC80AEE}"/>
+              </a:ext>
+            </a:extLst>
+          </p:cNvPr>
+          <p:cNvSpPr>
+            <a:spLocks noGrp="1"/>
+          </p:cNvSpPr>
+          <p:nvPr>
+            <p:ph type="body" sz="quarter" idx="13"/>
+          </p:nvPr>
+        </p:nvSpPr>
+        <p:spPr/>
         <p:txBody>
           <a:bodyPr/>
           <a:lstStyle/>
           <a:p>
             <a:r>
               <a:rPr lang="en-US" dirty="0"/>
-              <a:t>Action Values</a:t>
+              <a:t>Positioning and outcome options</a:t>
+            </a:r>
+          </a:p>
+        </p:txBody>
+      </p:sp>
+      <p:sp>
+        <p:nvSpPr>
+          <p:cNvPr id="6" name="Content Placeholder 5">
+            <a:extLst>
+              <a:ext uri="{FF2B5EF4-FFF2-40B4-BE49-F238E27FC236}">
+                <a16:creationId xmlns:a16="http://schemas.microsoft.com/office/drawing/2014/main" id="{FDED2B63-EF4C-F54A-50BD-E752BB3D9E1B}"/>
+              </a:ext>
+            </a:extLst>
+          </p:cNvPr>
+          <p:cNvSpPr>
+            <a:spLocks noGrp="1"/>
+          </p:cNvSpPr>
+          <p:nvPr>
+            <p:ph idx="1"/>
+          </p:nvPr>
+        </p:nvSpPr>
+        <p:spPr/>
+        <p:txBody>
+          <a:bodyPr>
+            <a:normAutofit fontScale="85000" lnSpcReduction="20000"/>
+          </a:bodyPr>
+          <a:lstStyle/>
+          <a:p>
+            <a:pPr marL="0" indent="0">
+              <a:buNone/>
+            </a:pPr>
+            <a:r>
+              <a:rPr lang="en-US" dirty="0"/>
+              <a:t>The default user interface of the cloud-based PLM system Fusion Manage does not interact with the engineers’ CAD and PDM toolsets. Engineering users want to follow up on their working list of engineering tasks – aka Fusion Manage Dashboard “My Outstanding Work” in the context of their primary tools.</a:t>
+            </a:r>
+          </a:p>
+        </p:txBody>
+      </p:sp>
+      <p:sp>
+        <p:nvSpPr>
+          <p:cNvPr id="8" name="Content Placeholder 7">
+            <a:extLst>
+              <a:ext uri="{FF2B5EF4-FFF2-40B4-BE49-F238E27FC236}">
+                <a16:creationId xmlns:a16="http://schemas.microsoft.com/office/drawing/2014/main" id="{54D100FF-7362-C900-A333-14FBB395FEB9}"/>
+              </a:ext>
+            </a:extLst>
+          </p:cNvPr>
+          <p:cNvSpPr>
+            <a:spLocks noGrp="1"/>
+          </p:cNvSpPr>
+          <p:nvPr>
+            <p:ph idx="14"/>
+          </p:nvPr>
+        </p:nvSpPr>
+        <p:spPr/>
+        <p:txBody>
+          <a:bodyPr>
+            <a:normAutofit fontScale="77500" lnSpcReduction="20000"/>
+          </a:bodyPr>
+          <a:lstStyle/>
+          <a:p>
+            <a:r>
+              <a:rPr lang="en-US" dirty="0"/>
+              <a:t>The Technical Sales Vault plm extensions integrate optimized Fusion Manage views into Vault and Inventor clients, providing access to</a:t>
             </a:r>
           </a:p>
           <a:p>
             <a:pPr lvl="1"/>
             <a:r>
               <a:rPr lang="en-US" dirty="0"/>
-              <a:t>openComponent</a:t>
+              <a:t>Engineering tasks</a:t>
             </a:r>
           </a:p>
           <a:p>
             <a:pPr lvl="1"/>
             <a:r>
               <a:rPr lang="en-US" dirty="0"/>
-              <a:t>addComponent</a:t>
+              <a:t>Item Details and Item BOMs</a:t>
             </a:r>
           </a:p>
           <a:p>
             <a:pPr lvl="1"/>
             <a:r>
               <a:rPr lang="en-US" dirty="0"/>
-              <a:t>gotoVaultFile</a:t>
+              <a:t>PDM/PLM Search</a:t>
             </a:r>
           </a:p>
           <a:p>
             <a:pPr lvl="1"/>
             <a:r>
               <a:rPr lang="en-US" dirty="0"/>
-              <a:t>gotoVaultItem</a:t>
+              <a:t>Product- or Project Workspace(s)</a:t>
             </a:r>
           </a:p>
           <a:p>
             <a:r>
               <a:rPr lang="en-US" dirty="0"/>
-              <a:t>Source Values</a:t>
+              <a:t>Extended user commands allow completing plm workflows within the CAD/PDM desktop applications</a:t>
             </a:r>
           </a:p>
           <a:p>
             <a:pPr lvl="1"/>
-            <a:r>
-              <a:rPr lang="en-US" b="1" dirty="0">
-                <a:highlight>
-                  <a:srgbClr val="FFFF00"/>
-                </a:highlight>
-              </a:rPr>
-              <a:t>file</a:t>
-            </a:r>
-            <a:r>
-              <a:rPr lang="en-US" dirty="0"/>
-              <a:t> | item | plm-item</a:t>
-            </a:r>
-          </a:p>
-        </p:txBody>
-      </p:sp>
-      <p:sp>
-        <p:nvSpPr>
-          <p:cNvPr id="2" name="Title 1">
-            <a:extLst>
-              <a:ext uri="{FF2B5EF4-FFF2-40B4-BE49-F238E27FC236}">
-                <a16:creationId xmlns:a16="http://schemas.microsoft.com/office/drawing/2014/main" id="{AC8764CD-1235-861A-C41B-9D6D9C6296BC}"/>
-              </a:ext>
-            </a:extLst>
-          </p:cNvPr>
-          <p:cNvSpPr>
-            <a:spLocks noGrp="1"/>
-          </p:cNvSpPr>
-          <p:nvPr>
-            <p:ph type="title"/>
-          </p:nvPr>
-        </p:nvSpPr>
-        <p:spPr/>
-        <p:txBody>
-          <a:bodyPr/>
-          <a:lstStyle/>
-          <a:p>
-            <a:r>
-              <a:rPr lang="en-US" dirty="0"/>
-              <a:t>WebMessage Parameters</a:t>
-            </a:r>
-          </a:p>
-        </p:txBody>
-      </p:sp>
-      <p:sp>
-        <p:nvSpPr>
-          <p:cNvPr id="5" name="Text Placeholder 4">
-            <a:extLst>
-              <a:ext uri="{FF2B5EF4-FFF2-40B4-BE49-F238E27FC236}">
-                <a16:creationId xmlns:a16="http://schemas.microsoft.com/office/drawing/2014/main" id="{640A2A83-C755-A40B-A3D4-BEF6A6AEDD2B}"/>
-              </a:ext>
-            </a:extLst>
-          </p:cNvPr>
-          <p:cNvSpPr>
-            <a:spLocks noGrp="1"/>
-          </p:cNvSpPr>
-          <p:nvPr>
-            <p:ph type="body" sz="quarter" idx="13"/>
-          </p:nvPr>
-        </p:nvSpPr>
-        <p:spPr/>
-        <p:txBody>
-          <a:bodyPr/>
-          <a:lstStyle/>
-          <a:p>
-            <a:r>
-              <a:rPr lang="en-US" dirty="0"/>
-              <a:t>Source = Vault File</a:t>
-            </a:r>
+            <a:endParaRPr lang="en-US" dirty="0"/>
           </a:p>
         </p:txBody>
       </p:sp>
       <p:pic>
         <p:nvPicPr>
-          <p:cNvPr id="12" name="Picture 11">
-            <a:extLst>
-              <a:ext uri="{FF2B5EF4-FFF2-40B4-BE49-F238E27FC236}">
-                <a16:creationId xmlns:a16="http://schemas.microsoft.com/office/drawing/2014/main" id="{60583252-5718-A98F-01A0-16E2D5E60C12}"/>
+          <p:cNvPr id="9" name="Picture 8">
+            <a:extLst>
+              <a:ext uri="{FF2B5EF4-FFF2-40B4-BE49-F238E27FC236}">
+                <a16:creationId xmlns:a16="http://schemas.microsoft.com/office/drawing/2014/main" id="{974C11C0-3317-694B-7980-395F7B5B947B}"/>
               </a:ext>
             </a:extLst>
           </p:cNvPr>
@@ -12146,18 +13957,333 @@
         </p:blipFill>
         <p:spPr>
           <a:xfrm>
-            <a:off x="491068" y="2501889"/>
-            <a:ext cx="4580952" cy="3619048"/>
+            <a:off x="6402962" y="2956431"/>
+            <a:ext cx="4366746" cy="2328931"/>
           </a:xfrm>
           <a:prstGeom prst="rect">
             <a:avLst/>
           </a:prstGeom>
+          <a:ln>
+            <a:noFill/>
+          </a:ln>
+          <a:effectLst>
+            <a:outerShdw blurRad="292100" dist="139700" dir="2700000" algn="tl" rotWithShape="0">
+              <a:srgbClr val="333333">
+                <a:alpha val="65000"/>
+              </a:srgbClr>
+            </a:outerShdw>
+          </a:effectLst>
         </p:spPr>
       </p:pic>
+      <p:pic>
+        <p:nvPicPr>
+          <p:cNvPr id="11" name="Picture 10">
+            <a:extLst>
+              <a:ext uri="{FF2B5EF4-FFF2-40B4-BE49-F238E27FC236}">
+                <a16:creationId xmlns:a16="http://schemas.microsoft.com/office/drawing/2014/main" id="{53A2C8D4-7FA2-30D9-E34D-F3100071E234}"/>
+              </a:ext>
+            </a:extLst>
+          </p:cNvPr>
+          <p:cNvPicPr>
+            <a:picLocks noChangeAspect="1"/>
+          </p:cNvPicPr>
+          <p:nvPr/>
+        </p:nvPicPr>
+        <p:blipFill>
+          <a:blip r:embed="rId3"/>
+          <a:stretch>
+            <a:fillRect/>
+          </a:stretch>
+        </p:blipFill>
+        <p:spPr>
+          <a:xfrm>
+            <a:off x="7305262" y="153892"/>
+            <a:ext cx="3608234" cy="2569146"/>
+          </a:xfrm>
+          <a:prstGeom prst="rect">
+            <a:avLst/>
+          </a:prstGeom>
+          <a:ln>
+            <a:noFill/>
+          </a:ln>
+          <a:effectLst>
+            <a:outerShdw blurRad="292100" dist="139700" dir="2700000" algn="tl" rotWithShape="0">
+              <a:srgbClr val="333333">
+                <a:alpha val="65000"/>
+              </a:srgbClr>
+            </a:outerShdw>
+          </a:effectLst>
+        </p:spPr>
+      </p:pic>
+      <p:pic>
+        <p:nvPicPr>
+          <p:cNvPr id="13" name="Picture 12">
+            <a:extLst>
+              <a:ext uri="{FF2B5EF4-FFF2-40B4-BE49-F238E27FC236}">
+                <a16:creationId xmlns:a16="http://schemas.microsoft.com/office/drawing/2014/main" id="{45ED9338-2A84-9A1D-8C94-816F595816A3}"/>
+              </a:ext>
+            </a:extLst>
+          </p:cNvPr>
+          <p:cNvPicPr>
+            <a:picLocks noChangeAspect="1"/>
+          </p:cNvPicPr>
+          <p:nvPr/>
+        </p:nvPicPr>
+        <p:blipFill>
+          <a:blip r:embed="rId4"/>
+          <a:stretch>
+            <a:fillRect/>
+          </a:stretch>
+        </p:blipFill>
+        <p:spPr>
+          <a:xfrm>
+            <a:off x="7042825" y="4493163"/>
+            <a:ext cx="4993532" cy="2130045"/>
+          </a:xfrm>
+          <a:prstGeom prst="rect">
+            <a:avLst/>
+          </a:prstGeom>
+          <a:ln>
+            <a:noFill/>
+          </a:ln>
+          <a:effectLst>
+            <a:outerShdw blurRad="292100" dist="139700" dir="2700000" algn="tl" rotWithShape="0">
+              <a:srgbClr val="333333">
+                <a:alpha val="65000"/>
+              </a:srgbClr>
+            </a:outerShdw>
+          </a:effectLst>
+        </p:spPr>
+      </p:pic>
+      <p:sp>
+        <p:nvSpPr>
+          <p:cNvPr id="14" name="Arrow: Down 13">
+            <a:extLst>
+              <a:ext uri="{FF2B5EF4-FFF2-40B4-BE49-F238E27FC236}">
+                <a16:creationId xmlns:a16="http://schemas.microsoft.com/office/drawing/2014/main" id="{5967B2FC-830E-7AC6-CC0F-807E0709F154}"/>
+              </a:ext>
+            </a:extLst>
+          </p:cNvPr>
+          <p:cNvSpPr/>
+          <p:nvPr/>
+        </p:nvSpPr>
+        <p:spPr>
+          <a:xfrm>
+            <a:off x="8651839" y="2343553"/>
+            <a:ext cx="915080" cy="612878"/>
+          </a:xfrm>
+          <a:prstGeom prst="downArrow">
+            <a:avLst/>
+          </a:prstGeom>
+          <a:ln/>
+        </p:spPr>
+        <p:style>
+          <a:lnRef idx="1">
+            <a:schemeClr val="accent1"/>
+          </a:lnRef>
+          <a:fillRef idx="3">
+            <a:schemeClr val="accent1"/>
+          </a:fillRef>
+          <a:effectRef idx="2">
+            <a:schemeClr val="accent1"/>
+          </a:effectRef>
+          <a:fontRef idx="minor">
+            <a:schemeClr val="lt1"/>
+          </a:fontRef>
+        </p:style>
+        <p:txBody>
+          <a:bodyPr rtlCol="0" anchor="ctr"/>
+          <a:lstStyle/>
+          <a:p>
+            <a:pPr algn="ctr"/>
+            <a:endParaRPr lang="en-US" sz="1600" dirty="0" err="1"/>
+          </a:p>
+        </p:txBody>
+      </p:sp>
+      <p:sp>
+        <p:nvSpPr>
+          <p:cNvPr id="15" name="Arrow: Down 14">
+            <a:extLst>
+              <a:ext uri="{FF2B5EF4-FFF2-40B4-BE49-F238E27FC236}">
+                <a16:creationId xmlns:a16="http://schemas.microsoft.com/office/drawing/2014/main" id="{7E5B30FB-E10A-5D70-B8E2-38B2CB12E75A}"/>
+              </a:ext>
+            </a:extLst>
+          </p:cNvPr>
+          <p:cNvSpPr/>
+          <p:nvPr/>
+        </p:nvSpPr>
+        <p:spPr>
+          <a:xfrm>
+            <a:off x="7305262" y="3320374"/>
+            <a:ext cx="340678" cy="233464"/>
+          </a:xfrm>
+          <a:prstGeom prst="downArrow">
+            <a:avLst/>
+          </a:prstGeom>
+          <a:ln/>
+        </p:spPr>
+        <p:style>
+          <a:lnRef idx="1">
+            <a:schemeClr val="accent1"/>
+          </a:lnRef>
+          <a:fillRef idx="3">
+            <a:schemeClr val="accent1"/>
+          </a:fillRef>
+          <a:effectRef idx="2">
+            <a:schemeClr val="accent1"/>
+          </a:effectRef>
+          <a:fontRef idx="minor">
+            <a:schemeClr val="lt1"/>
+          </a:fontRef>
+        </p:style>
+        <p:txBody>
+          <a:bodyPr rtlCol="0" anchor="ctr"/>
+          <a:lstStyle/>
+          <a:p>
+            <a:pPr algn="ctr"/>
+            <a:endParaRPr lang="en-US" sz="1600" dirty="0" err="1"/>
+          </a:p>
+        </p:txBody>
+      </p:sp>
+      <p:sp>
+        <p:nvSpPr>
+          <p:cNvPr id="16" name="Arrow: Down 15">
+            <a:extLst>
+              <a:ext uri="{FF2B5EF4-FFF2-40B4-BE49-F238E27FC236}">
+                <a16:creationId xmlns:a16="http://schemas.microsoft.com/office/drawing/2014/main" id="{820AA5B3-FB20-1738-7C5B-A0481E08F430}"/>
+              </a:ext>
+            </a:extLst>
+          </p:cNvPr>
+          <p:cNvSpPr/>
+          <p:nvPr/>
+        </p:nvSpPr>
+        <p:spPr>
+          <a:xfrm>
+            <a:off x="11062354" y="4624286"/>
+            <a:ext cx="340678" cy="233464"/>
+          </a:xfrm>
+          <a:prstGeom prst="downArrow">
+            <a:avLst/>
+          </a:prstGeom>
+          <a:ln/>
+        </p:spPr>
+        <p:style>
+          <a:lnRef idx="1">
+            <a:schemeClr val="accent1"/>
+          </a:lnRef>
+          <a:fillRef idx="3">
+            <a:schemeClr val="accent1"/>
+          </a:fillRef>
+          <a:effectRef idx="2">
+            <a:schemeClr val="accent1"/>
+          </a:effectRef>
+          <a:fontRef idx="minor">
+            <a:schemeClr val="lt1"/>
+          </a:fontRef>
+        </p:style>
+        <p:txBody>
+          <a:bodyPr rtlCol="0" anchor="ctr"/>
+          <a:lstStyle/>
+          <a:p>
+            <a:pPr algn="ctr"/>
+            <a:endParaRPr lang="en-US" sz="1600" dirty="0" err="1"/>
+          </a:p>
+        </p:txBody>
+      </p:sp>
+      <p:sp>
+        <p:nvSpPr>
+          <p:cNvPr id="17" name="Arrow: Down 16">
+            <a:extLst>
+              <a:ext uri="{FF2B5EF4-FFF2-40B4-BE49-F238E27FC236}">
+                <a16:creationId xmlns:a16="http://schemas.microsoft.com/office/drawing/2014/main" id="{E9A06AAB-C4A2-0EE9-DCD2-7C6BD3860D38}"/>
+              </a:ext>
+            </a:extLst>
+          </p:cNvPr>
+          <p:cNvSpPr/>
+          <p:nvPr/>
+        </p:nvSpPr>
+        <p:spPr>
+          <a:xfrm>
+            <a:off x="10142496" y="3041765"/>
+            <a:ext cx="340678" cy="233464"/>
+          </a:xfrm>
+          <a:prstGeom prst="downArrow">
+            <a:avLst/>
+          </a:prstGeom>
+          <a:ln/>
+        </p:spPr>
+        <p:style>
+          <a:lnRef idx="1">
+            <a:schemeClr val="accent1"/>
+          </a:lnRef>
+          <a:fillRef idx="3">
+            <a:schemeClr val="accent1"/>
+          </a:fillRef>
+          <a:effectRef idx="2">
+            <a:schemeClr val="accent1"/>
+          </a:effectRef>
+          <a:fontRef idx="minor">
+            <a:schemeClr val="lt1"/>
+          </a:fontRef>
+        </p:style>
+        <p:txBody>
+          <a:bodyPr rtlCol="0" anchor="ctr"/>
+          <a:lstStyle/>
+          <a:p>
+            <a:pPr algn="ctr"/>
+            <a:endParaRPr lang="en-US" sz="1600" dirty="0" err="1"/>
+          </a:p>
+        </p:txBody>
+      </p:sp>
+      <p:sp>
+        <p:nvSpPr>
+          <p:cNvPr id="18" name="Arrow: Down 17">
+            <a:extLst>
+              <a:ext uri="{FF2B5EF4-FFF2-40B4-BE49-F238E27FC236}">
+                <a16:creationId xmlns:a16="http://schemas.microsoft.com/office/drawing/2014/main" id="{AA7275F0-4CCB-710C-6E5C-B647AE5120E4}"/>
+              </a:ext>
+            </a:extLst>
+          </p:cNvPr>
+          <p:cNvSpPr/>
+          <p:nvPr/>
+        </p:nvSpPr>
+        <p:spPr>
+          <a:xfrm>
+            <a:off x="9918760" y="4565526"/>
+            <a:ext cx="340678" cy="233464"/>
+          </a:xfrm>
+          <a:prstGeom prst="downArrow">
+            <a:avLst/>
+          </a:prstGeom>
+          <a:ln/>
+        </p:spPr>
+        <p:style>
+          <a:lnRef idx="1">
+            <a:schemeClr val="accent1"/>
+          </a:lnRef>
+          <a:fillRef idx="3">
+            <a:schemeClr val="accent1"/>
+          </a:fillRef>
+          <a:effectRef idx="2">
+            <a:schemeClr val="accent1"/>
+          </a:effectRef>
+          <a:fontRef idx="minor">
+            <a:schemeClr val="lt1"/>
+          </a:fontRef>
+        </p:style>
+        <p:txBody>
+          <a:bodyPr rtlCol="0" anchor="ctr"/>
+          <a:lstStyle/>
+          <a:p>
+            <a:pPr algn="ctr"/>
+            <a:endParaRPr lang="en-US" sz="1600" dirty="0" err="1"/>
+          </a:p>
+        </p:txBody>
+      </p:sp>
     </p:spTree>
     <p:extLst>
       <p:ext uri="{BB962C8B-B14F-4D97-AF65-F5344CB8AC3E}">
-        <p14:creationId xmlns:p14="http://schemas.microsoft.com/office/powerpoint/2010/main" val="562437694"/>
+        <p14:creationId xmlns:p14="http://schemas.microsoft.com/office/powerpoint/2010/main" val="1698366460"/>
       </p:ext>
     </p:extLst>
   </p:cSld>
@@ -12184,13 +14310,7 @@
   <p:cSld>
     <p:spTree>
       <p:nvGrpSpPr>
-        <p:cNvPr id="1" name="">
-          <a:extLst>
-            <a:ext uri="{FF2B5EF4-FFF2-40B4-BE49-F238E27FC236}">
-              <a16:creationId xmlns:a16="http://schemas.microsoft.com/office/drawing/2014/main" id="{DA38A467-410E-5555-7878-B716744368A8}"/>
-            </a:ext>
-          </a:extLst>
-        </p:cNvPr>
+        <p:cNvPr id="1" name=""/>
         <p:cNvGrpSpPr/>
         <p:nvPr/>
       </p:nvGrpSpPr>
@@ -12204,156 +14324,74 @@
       </p:grpSpPr>
       <p:sp>
         <p:nvSpPr>
-          <p:cNvPr id="3" name="Content Placeholder 2">
-            <a:extLst>
-              <a:ext uri="{FF2B5EF4-FFF2-40B4-BE49-F238E27FC236}">
-                <a16:creationId xmlns:a16="http://schemas.microsoft.com/office/drawing/2014/main" id="{C58935DA-6B18-C79A-947F-EA0848B7508B}"/>
-              </a:ext>
-            </a:extLst>
-          </p:cNvPr>
-          <p:cNvSpPr>
-            <a:spLocks noGrp="1"/>
-          </p:cNvSpPr>
-          <p:nvPr>
-            <p:ph idx="1"/>
-          </p:nvPr>
-        </p:nvSpPr>
-        <p:spPr>
-          <a:xfrm>
-            <a:off x="491319" y="1584960"/>
-            <a:ext cx="7588651" cy="4785360"/>
-          </a:xfrm>
-        </p:spPr>
+          <p:cNvPr id="2" name="Title 1">
+            <a:extLst>
+              <a:ext uri="{FF2B5EF4-FFF2-40B4-BE49-F238E27FC236}">
+                <a16:creationId xmlns:a16="http://schemas.microsoft.com/office/drawing/2014/main" id="{D4921A56-0052-B4D6-23AC-B57352AD94F6}"/>
+              </a:ext>
+            </a:extLst>
+          </p:cNvPr>
+          <p:cNvSpPr>
+            <a:spLocks noGrp="1"/>
+          </p:cNvSpPr>
+          <p:nvPr>
+            <p:ph type="title"/>
+          </p:nvPr>
+        </p:nvSpPr>
+        <p:spPr/>
         <p:txBody>
           <a:bodyPr/>
           <a:lstStyle/>
           <a:p>
             <a:r>
               <a:rPr lang="en-US" dirty="0"/>
-              <a:t>Message format</a:t>
-            </a:r>
-          </a:p>
-          <a:p>
-            <a:pPr lvl="1"/>
-            <a:r>
-              <a:rPr lang="en-US" dirty="0"/>
-              <a:t>Action; Source; </a:t>
-            </a:r>
-            <a:r>
-              <a:rPr lang="en-US" b="1" dirty="0"/>
-              <a:t>ItemRevision(Id)</a:t>
-            </a:r>
-            <a:r>
-              <a:rPr lang="en-US" dirty="0"/>
-              <a:t>; </a:t>
-            </a:r>
-            <a:r>
-              <a:rPr lang="en-US" b="1" dirty="0"/>
-              <a:t>Number</a:t>
-            </a:r>
-          </a:p>
-        </p:txBody>
-      </p:sp>
-      <p:sp>
-        <p:nvSpPr>
-          <p:cNvPr id="4" name="Content Placeholder 3">
-            <a:extLst>
-              <a:ext uri="{FF2B5EF4-FFF2-40B4-BE49-F238E27FC236}">
-                <a16:creationId xmlns:a16="http://schemas.microsoft.com/office/drawing/2014/main" id="{CA3A3B2C-1F03-56FF-9D66-F78D25D244FE}"/>
-              </a:ext>
-            </a:extLst>
-          </p:cNvPr>
-          <p:cNvSpPr>
-            <a:spLocks noGrp="1"/>
-          </p:cNvSpPr>
-          <p:nvPr>
-            <p:ph idx="11"/>
-          </p:nvPr>
-        </p:nvSpPr>
-        <p:spPr>
-          <a:xfrm>
-            <a:off x="8620298" y="1584960"/>
-            <a:ext cx="3080634" cy="4785360"/>
-          </a:xfrm>
-        </p:spPr>
+              <a:t>Use Case Sample</a:t>
+            </a:r>
+          </a:p>
+        </p:txBody>
+      </p:sp>
+      <p:sp>
+        <p:nvSpPr>
+          <p:cNvPr id="3" name="Text Placeholder 2">
+            <a:extLst>
+              <a:ext uri="{FF2B5EF4-FFF2-40B4-BE49-F238E27FC236}">
+                <a16:creationId xmlns:a16="http://schemas.microsoft.com/office/drawing/2014/main" id="{367E14EE-B00E-6362-1F08-27EF585A3B6C}"/>
+              </a:ext>
+            </a:extLst>
+          </p:cNvPr>
+          <p:cNvSpPr>
+            <a:spLocks noGrp="1"/>
+          </p:cNvSpPr>
+          <p:nvPr>
+            <p:ph type="body" sz="quarter" idx="13"/>
+          </p:nvPr>
+        </p:nvSpPr>
+        <p:spPr/>
         <p:txBody>
           <a:bodyPr/>
           <a:lstStyle/>
           <a:p>
             <a:r>
               <a:rPr lang="en-US" dirty="0"/>
-              <a:t>Action Values</a:t>
-            </a:r>
-          </a:p>
-          <a:p>
-            <a:pPr lvl="1"/>
-            <a:r>
-              <a:rPr lang="en-US" dirty="0"/>
-              <a:t>openComponent</a:t>
-            </a:r>
-          </a:p>
-          <a:p>
-            <a:pPr lvl="1"/>
-            <a:r>
-              <a:rPr lang="en-US" dirty="0"/>
-              <a:t>addComponent</a:t>
-            </a:r>
-          </a:p>
-          <a:p>
-            <a:pPr lvl="1"/>
-            <a:r>
-              <a:rPr lang="en-US" dirty="0"/>
-              <a:t>gotoVaultFile</a:t>
-            </a:r>
-          </a:p>
-          <a:p>
-            <a:pPr lvl="1"/>
-            <a:r>
-              <a:rPr lang="en-US" dirty="0"/>
-              <a:t>gotoVaultItem</a:t>
-            </a:r>
-          </a:p>
-          <a:p>
-            <a:r>
-              <a:rPr lang="en-US" dirty="0"/>
-              <a:t>Source Values</a:t>
-            </a:r>
-          </a:p>
-          <a:p>
-            <a:pPr lvl="1"/>
-            <a:r>
-              <a:rPr lang="en-US" dirty="0"/>
-              <a:t>file | </a:t>
-            </a:r>
-            <a:r>
-              <a:rPr lang="en-US" b="1" dirty="0">
-                <a:highlight>
-                  <a:srgbClr val="FFFF00"/>
-                </a:highlight>
-              </a:rPr>
-              <a:t>item</a:t>
-            </a:r>
-            <a:r>
-              <a:rPr lang="en-US" dirty="0"/>
-              <a:t> | plm-item</a:t>
-            </a:r>
-          </a:p>
-        </p:txBody>
-      </p:sp>
-      <p:sp>
-        <p:nvSpPr>
-          <p:cNvPr id="2" name="Title 1">
-            <a:extLst>
-              <a:ext uri="{FF2B5EF4-FFF2-40B4-BE49-F238E27FC236}">
-                <a16:creationId xmlns:a16="http://schemas.microsoft.com/office/drawing/2014/main" id="{0516C7A1-D63A-D8A8-D0B4-51BDDEF8470C}"/>
-              </a:ext>
-            </a:extLst>
-          </p:cNvPr>
-          <p:cNvSpPr>
-            <a:spLocks noGrp="1"/>
-          </p:cNvSpPr>
-          <p:nvPr>
-            <p:ph type="title"/>
+              <a:t>Preparing a change evaluation</a:t>
+            </a:r>
+          </a:p>
+        </p:txBody>
+      </p:sp>
+      <p:sp>
+        <p:nvSpPr>
+          <p:cNvPr id="4" name="Content Placeholder 3">
+            <a:extLst>
+              <a:ext uri="{FF2B5EF4-FFF2-40B4-BE49-F238E27FC236}">
+                <a16:creationId xmlns:a16="http://schemas.microsoft.com/office/drawing/2014/main" id="{9DFCCD1A-284B-6F91-FA8B-C2448B03A293}"/>
+              </a:ext>
+            </a:extLst>
+          </p:cNvPr>
+          <p:cNvSpPr>
+            <a:spLocks noGrp="1"/>
+          </p:cNvSpPr>
+          <p:nvPr>
+            <p:ph idx="1"/>
           </p:nvPr>
         </p:nvSpPr>
         <p:spPr/>
@@ -12363,35 +14401,58 @@
           <a:p>
             <a:r>
               <a:rPr lang="en-US" dirty="0"/>
-              <a:t>WebMessage Parameters</a:t>
-            </a:r>
-          </a:p>
-        </p:txBody>
-      </p:sp>
-      <p:sp>
-        <p:nvSpPr>
-          <p:cNvPr id="5" name="Text Placeholder 4">
-            <a:extLst>
-              <a:ext uri="{FF2B5EF4-FFF2-40B4-BE49-F238E27FC236}">
-                <a16:creationId xmlns:a16="http://schemas.microsoft.com/office/drawing/2014/main" id="{9F8D18F9-B1C1-A26A-4993-4732995BE7D1}"/>
-              </a:ext>
-            </a:extLst>
-          </p:cNvPr>
-          <p:cNvSpPr>
-            <a:spLocks noGrp="1"/>
-          </p:cNvSpPr>
-          <p:nvPr>
-            <p:ph type="body" sz="quarter" idx="13"/>
+              <a:t>The engineer drafts a new assembly configuration to prepare extended evaluations on a design change targeting problems in the operational plant.</a:t>
+            </a:r>
+          </a:p>
+        </p:txBody>
+      </p:sp>
+      <p:sp>
+        <p:nvSpPr>
+          <p:cNvPr id="5" name="Content Placeholder 4">
+            <a:extLst>
+              <a:ext uri="{FF2B5EF4-FFF2-40B4-BE49-F238E27FC236}">
+                <a16:creationId xmlns:a16="http://schemas.microsoft.com/office/drawing/2014/main" id="{F5A0535D-DD4E-3D36-B845-AE68036FAF71}"/>
+              </a:ext>
+            </a:extLst>
+          </p:cNvPr>
+          <p:cNvSpPr>
+            <a:spLocks noGrp="1"/>
+          </p:cNvSpPr>
+          <p:nvPr>
+            <p:ph idx="14"/>
           </p:nvPr>
         </p:nvSpPr>
         <p:spPr/>
         <p:txBody>
-          <a:bodyPr/>
+          <a:bodyPr>
+            <a:normAutofit fontScale="92500" lnSpcReduction="10000"/>
+          </a:bodyPr>
           <a:lstStyle/>
           <a:p>
             <a:r>
               <a:rPr lang="en-US" dirty="0"/>
-              <a:t>Source = Vault Item</a:t>
+              <a:t>The engineer’s task is embedded in Fusion Manage processes.</a:t>
+            </a:r>
+          </a:p>
+          <a:p>
+            <a:pPr lvl="1"/>
+            <a:r>
+              <a:rPr lang="en-US" dirty="0"/>
+              <a:t>The task linked affected items and suggested a path for the problem resolution.</a:t>
+            </a:r>
+          </a:p>
+          <a:p>
+            <a:pPr lvl="1"/>
+            <a:r>
+              <a:rPr lang="en-US" dirty="0"/>
+              <a:t>Real-world scenarios require extended investigations, reviews, and approvals, before a design revision is implemented</a:t>
+            </a:r>
+          </a:p>
+          <a:p>
+            <a:pPr lvl="1"/>
+            <a:r>
+              <a:rPr lang="en-US" dirty="0"/>
+              <a:t>The engineer embeds the initial draft into the Fusion Manage workflow</a:t>
             </a:r>
           </a:p>
         </p:txBody>
@@ -12401,7 +14462,7 @@
           <p:cNvPr id="7" name="Picture 6">
             <a:extLst>
               <a:ext uri="{FF2B5EF4-FFF2-40B4-BE49-F238E27FC236}">
-                <a16:creationId xmlns:a16="http://schemas.microsoft.com/office/drawing/2014/main" id="{3F071A25-772A-ACB6-FBB8-599F2C999E96}"/>
+                <a16:creationId xmlns:a16="http://schemas.microsoft.com/office/drawing/2014/main" id="{A25FF957-E59F-0C18-8697-5D1F662415B3}"/>
               </a:ext>
             </a:extLst>
           </p:cNvPr>
@@ -12418,18 +14479,182 @@
         </p:blipFill>
         <p:spPr>
           <a:xfrm>
-            <a:off x="491068" y="2511510"/>
-            <a:ext cx="4657143" cy="4076190"/>
+            <a:off x="6831342" y="538262"/>
+            <a:ext cx="1817022" cy="2436567"/>
           </a:xfrm>
           <a:prstGeom prst="rect">
             <a:avLst/>
           </a:prstGeom>
         </p:spPr>
       </p:pic>
+      <p:sp>
+        <p:nvSpPr>
+          <p:cNvPr id="8" name="Arrow: Right 7">
+            <a:extLst>
+              <a:ext uri="{FF2B5EF4-FFF2-40B4-BE49-F238E27FC236}">
+                <a16:creationId xmlns:a16="http://schemas.microsoft.com/office/drawing/2014/main" id="{F23FDA04-95E5-6BF2-488C-598EB28C8E11}"/>
+              </a:ext>
+            </a:extLst>
+          </p:cNvPr>
+          <p:cNvSpPr/>
+          <p:nvPr/>
+        </p:nvSpPr>
+        <p:spPr>
+          <a:xfrm>
+            <a:off x="8735437" y="1193260"/>
+            <a:ext cx="732817" cy="1128408"/>
+          </a:xfrm>
+          <a:prstGeom prst="rightArrow">
+            <a:avLst/>
+          </a:prstGeom>
+          <a:solidFill>
+            <a:srgbClr val="16DA51"/>
+          </a:solidFill>
+          <a:ln>
+            <a:noFill/>
+          </a:ln>
+        </p:spPr>
+        <p:style>
+          <a:lnRef idx="2">
+            <a:schemeClr val="accent1">
+              <a:shade val="50000"/>
+            </a:schemeClr>
+          </a:lnRef>
+          <a:fillRef idx="1">
+            <a:schemeClr val="accent1"/>
+          </a:fillRef>
+          <a:effectRef idx="0">
+            <a:schemeClr val="accent1"/>
+          </a:effectRef>
+          <a:fontRef idx="minor">
+            <a:schemeClr val="lt1"/>
+          </a:fontRef>
+        </p:style>
+        <p:txBody>
+          <a:bodyPr rtlCol="0" anchor="ctr"/>
+          <a:lstStyle/>
+          <a:p>
+            <a:pPr algn="ctr"/>
+            <a:endParaRPr lang="en-US" sz="1600" dirty="0" err="1"/>
+          </a:p>
+        </p:txBody>
+      </p:sp>
+      <p:pic>
+        <p:nvPicPr>
+          <p:cNvPr id="10" name="Picture 9">
+            <a:extLst>
+              <a:ext uri="{FF2B5EF4-FFF2-40B4-BE49-F238E27FC236}">
+                <a16:creationId xmlns:a16="http://schemas.microsoft.com/office/drawing/2014/main" id="{46FC718B-DC7A-2334-484A-BC8E6F5C90ED}"/>
+              </a:ext>
+            </a:extLst>
+          </p:cNvPr>
+          <p:cNvPicPr>
+            <a:picLocks noChangeAspect="1"/>
+          </p:cNvPicPr>
+          <p:nvPr/>
+        </p:nvPicPr>
+        <p:blipFill>
+          <a:blip r:embed="rId3"/>
+          <a:stretch>
+            <a:fillRect/>
+          </a:stretch>
+        </p:blipFill>
+        <p:spPr>
+          <a:xfrm>
+            <a:off x="9555327" y="538262"/>
+            <a:ext cx="1573251" cy="2436567"/>
+          </a:xfrm>
+          <a:prstGeom prst="rect">
+            <a:avLst/>
+          </a:prstGeom>
+        </p:spPr>
+      </p:pic>
+      <p:pic>
+        <p:nvPicPr>
+          <p:cNvPr id="12" name="Picture 11">
+            <a:extLst>
+              <a:ext uri="{FF2B5EF4-FFF2-40B4-BE49-F238E27FC236}">
+                <a16:creationId xmlns:a16="http://schemas.microsoft.com/office/drawing/2014/main" id="{269C3AAA-0D75-E889-81C8-AA1876DE0AE7}"/>
+              </a:ext>
+            </a:extLst>
+          </p:cNvPr>
+          <p:cNvPicPr>
+            <a:picLocks noChangeAspect="1"/>
+          </p:cNvPicPr>
+          <p:nvPr/>
+        </p:nvPicPr>
+        <p:blipFill>
+          <a:blip r:embed="rId4"/>
+          <a:stretch>
+            <a:fillRect/>
+          </a:stretch>
+        </p:blipFill>
+        <p:spPr>
+          <a:xfrm>
+            <a:off x="6831342" y="3790462"/>
+            <a:ext cx="5029918" cy="2472487"/>
+          </a:xfrm>
+          <a:prstGeom prst="rect">
+            <a:avLst/>
+          </a:prstGeom>
+        </p:spPr>
+      </p:pic>
+      <p:sp>
+        <p:nvSpPr>
+          <p:cNvPr id="13" name="Arrow: Right 12">
+            <a:extLst>
+              <a:ext uri="{FF2B5EF4-FFF2-40B4-BE49-F238E27FC236}">
+                <a16:creationId xmlns:a16="http://schemas.microsoft.com/office/drawing/2014/main" id="{6626B935-DB52-1F1E-14FD-2052D4ECEFA4}"/>
+              </a:ext>
+            </a:extLst>
+          </p:cNvPr>
+          <p:cNvSpPr/>
+          <p:nvPr/>
+        </p:nvSpPr>
+        <p:spPr>
+          <a:xfrm rot="5400000">
+            <a:off x="9975543" y="2869743"/>
+            <a:ext cx="732817" cy="1128408"/>
+          </a:xfrm>
+          <a:prstGeom prst="rightArrow">
+            <a:avLst/>
+          </a:prstGeom>
+          <a:solidFill>
+            <a:srgbClr val="05A7DF"/>
+          </a:solidFill>
+          <a:ln>
+            <a:noFill/>
+          </a:ln>
+        </p:spPr>
+        <p:style>
+          <a:lnRef idx="2">
+            <a:schemeClr val="accent1">
+              <a:shade val="50000"/>
+            </a:schemeClr>
+          </a:lnRef>
+          <a:fillRef idx="1">
+            <a:schemeClr val="accent1"/>
+          </a:fillRef>
+          <a:effectRef idx="0">
+            <a:schemeClr val="accent1"/>
+          </a:effectRef>
+          <a:fontRef idx="minor">
+            <a:schemeClr val="lt1"/>
+          </a:fontRef>
+        </p:style>
+        <p:txBody>
+          <a:bodyPr rtlCol="0" anchor="ctr"/>
+          <a:lstStyle/>
+          <a:p>
+            <a:pPr algn="ctr"/>
+            <a:endParaRPr lang="en-US" sz="1600" dirty="0" err="1"/>
+          </a:p>
+        </p:txBody>
+      </p:sp>
     </p:spTree>
     <p:extLst>
       <p:ext uri="{BB962C8B-B14F-4D97-AF65-F5344CB8AC3E}">
-        <p14:creationId xmlns:p14="http://schemas.microsoft.com/office/powerpoint/2010/main" val="3525727254"/>
+        <p14:creationId xmlns:p14="http://schemas.microsoft.com/office/powerpoint/2010/main" val="3808786436"/>
       </p:ext>
     </p:extLst>
   </p:cSld>
@@ -12456,13 +14681,7 @@
   <p:cSld>
     <p:spTree>
       <p:nvGrpSpPr>
-        <p:cNvPr id="1" name="">
-          <a:extLst>
-            <a:ext uri="{FF2B5EF4-FFF2-40B4-BE49-F238E27FC236}">
-              <a16:creationId xmlns:a16="http://schemas.microsoft.com/office/drawing/2014/main" id="{19E4CBCE-0BE6-D383-FE6D-2FD775E6EC13}"/>
-            </a:ext>
-          </a:extLst>
-        </p:cNvPr>
+        <p:cNvPr id="1" name=""/>
         <p:cNvGrpSpPr/>
         <p:nvPr/>
       </p:nvGrpSpPr>
@@ -12476,10 +14695,10 @@
       </p:grpSpPr>
       <p:sp>
         <p:nvSpPr>
-          <p:cNvPr id="3" name="Content Placeholder 2">
-            <a:extLst>
-              <a:ext uri="{FF2B5EF4-FFF2-40B4-BE49-F238E27FC236}">
-                <a16:creationId xmlns:a16="http://schemas.microsoft.com/office/drawing/2014/main" id="{C9BA15FB-7EFB-7C37-FBF4-44DE207EF304}"/>
+          <p:cNvPr id="7" name="Content Placeholder 6">
+            <a:extLst>
+              <a:ext uri="{FF2B5EF4-FFF2-40B4-BE49-F238E27FC236}">
+                <a16:creationId xmlns:a16="http://schemas.microsoft.com/office/drawing/2014/main" id="{A823EFD7-9BED-8B81-04AB-148EBB0C040C}"/>
               </a:ext>
             </a:extLst>
           </p:cNvPr>
@@ -12490,222 +14709,47 @@
             <p:ph idx="1"/>
           </p:nvPr>
         </p:nvSpPr>
-        <p:spPr>
-          <a:xfrm>
-            <a:off x="491319" y="1584960"/>
-            <a:ext cx="7588651" cy="4785360"/>
-          </a:xfrm>
-        </p:spPr>
+        <p:spPr/>
         <p:txBody>
           <a:bodyPr/>
           <a:lstStyle/>
           <a:p>
-            <a:r>
-              <a:rPr lang="en-US" dirty="0"/>
-              <a:t>Message format</a:t>
-            </a:r>
-          </a:p>
-          <a:p>
-            <a:pPr lvl="1"/>
-            <a:r>
-              <a:rPr lang="en-US" dirty="0"/>
-              <a:t>Action; Source; </a:t>
-            </a:r>
-            <a:r>
-              <a:rPr lang="en-US" b="1" dirty="0"/>
-              <a:t>Number</a:t>
-            </a:r>
-            <a:r>
-              <a:rPr lang="en-US" dirty="0"/>
-              <a:t>; </a:t>
-            </a:r>
-            <a:r>
-              <a:rPr lang="en-US" b="1" dirty="0"/>
-              <a:t>Item Descriptor [Rev]</a:t>
-            </a:r>
-            <a:r>
-              <a:rPr lang="en-US" dirty="0"/>
-              <a:t>; </a:t>
-            </a:r>
-            <a:r>
-              <a:rPr lang="en-US" b="1" dirty="0"/>
-              <a:t>urn</a:t>
-            </a:r>
-          </a:p>
-        </p:txBody>
-      </p:sp>
-      <p:sp>
-        <p:nvSpPr>
-          <p:cNvPr id="4" name="Content Placeholder 3">
-            <a:extLst>
-              <a:ext uri="{FF2B5EF4-FFF2-40B4-BE49-F238E27FC236}">
-                <a16:creationId xmlns:a16="http://schemas.microsoft.com/office/drawing/2014/main" id="{3E851DE2-6E89-77F3-6623-AF3CC73DE665}"/>
-              </a:ext>
-            </a:extLst>
-          </p:cNvPr>
-          <p:cNvSpPr>
-            <a:spLocks noGrp="1"/>
-          </p:cNvSpPr>
-          <p:nvPr>
-            <p:ph idx="11"/>
-          </p:nvPr>
-        </p:nvSpPr>
-        <p:spPr>
-          <a:xfrm>
-            <a:off x="8620298" y="1584960"/>
-            <a:ext cx="3080634" cy="4785360"/>
-          </a:xfrm>
-        </p:spPr>
+            <a:endParaRPr lang="en-US"/>
+          </a:p>
+        </p:txBody>
+      </p:sp>
+      <p:sp>
+        <p:nvSpPr>
+          <p:cNvPr id="6" name="Title 5">
+            <a:extLst>
+              <a:ext uri="{FF2B5EF4-FFF2-40B4-BE49-F238E27FC236}">
+                <a16:creationId xmlns:a16="http://schemas.microsoft.com/office/drawing/2014/main" id="{4241C09A-D0C6-A41E-6F20-4DFD9CB0AF2A}"/>
+              </a:ext>
+            </a:extLst>
+          </p:cNvPr>
+          <p:cNvSpPr>
+            <a:spLocks noGrp="1"/>
+          </p:cNvSpPr>
+          <p:nvPr>
+            <p:ph type="title"/>
+          </p:nvPr>
+        </p:nvSpPr>
+        <p:spPr/>
         <p:txBody>
           <a:bodyPr/>
           <a:lstStyle/>
           <a:p>
             <a:r>
               <a:rPr lang="en-US" dirty="0"/>
-              <a:t>Action Values</a:t>
-            </a:r>
-          </a:p>
-          <a:p>
-            <a:pPr lvl="1"/>
-            <a:r>
-              <a:rPr lang="en-US" dirty="0"/>
-              <a:t>openComponent</a:t>
-            </a:r>
-          </a:p>
-          <a:p>
-            <a:pPr lvl="1"/>
-            <a:r>
-              <a:rPr lang="en-US" dirty="0"/>
-              <a:t>addComponent</a:t>
-            </a:r>
-          </a:p>
-          <a:p>
-            <a:pPr lvl="1"/>
-            <a:r>
-              <a:rPr lang="en-US" dirty="0"/>
-              <a:t>gotoVaultFile</a:t>
-            </a:r>
-          </a:p>
-          <a:p>
-            <a:pPr lvl="1"/>
-            <a:r>
-              <a:rPr lang="en-US" dirty="0"/>
-              <a:t>gotoVaultItem</a:t>
-            </a:r>
-          </a:p>
-          <a:p>
-            <a:r>
-              <a:rPr lang="en-US" dirty="0"/>
-              <a:t>Source Values</a:t>
-            </a:r>
-          </a:p>
-          <a:p>
-            <a:pPr lvl="1"/>
-            <a:r>
-              <a:rPr lang="en-US" dirty="0"/>
-              <a:t>file | item | </a:t>
-            </a:r>
-            <a:r>
-              <a:rPr lang="en-US" b="1" dirty="0">
-                <a:highlight>
-                  <a:srgbClr val="FFFF00"/>
-                </a:highlight>
-              </a:rPr>
-              <a:t>plm-item</a:t>
-            </a:r>
-          </a:p>
-        </p:txBody>
-      </p:sp>
-      <p:sp>
-        <p:nvSpPr>
-          <p:cNvPr id="2" name="Title 1">
-            <a:extLst>
-              <a:ext uri="{FF2B5EF4-FFF2-40B4-BE49-F238E27FC236}">
-                <a16:creationId xmlns:a16="http://schemas.microsoft.com/office/drawing/2014/main" id="{AA97C022-3F32-69BF-731F-AB43426ACDA0}"/>
-              </a:ext>
-            </a:extLst>
-          </p:cNvPr>
-          <p:cNvSpPr>
-            <a:spLocks noGrp="1"/>
-          </p:cNvSpPr>
-          <p:nvPr>
-            <p:ph type="title"/>
-          </p:nvPr>
-        </p:nvSpPr>
-        <p:spPr/>
-        <p:txBody>
-          <a:bodyPr/>
-          <a:lstStyle/>
-          <a:p>
-            <a:r>
-              <a:rPr lang="en-US" dirty="0"/>
-              <a:t>WebMessage Parameters</a:t>
-            </a:r>
-          </a:p>
-        </p:txBody>
-      </p:sp>
-      <p:sp>
-        <p:nvSpPr>
-          <p:cNvPr id="5" name="Text Placeholder 4">
-            <a:extLst>
-              <a:ext uri="{FF2B5EF4-FFF2-40B4-BE49-F238E27FC236}">
-                <a16:creationId xmlns:a16="http://schemas.microsoft.com/office/drawing/2014/main" id="{137FA7A0-ECDC-4058-86EC-0C13B1CE6B90}"/>
-              </a:ext>
-            </a:extLst>
-          </p:cNvPr>
-          <p:cNvSpPr>
-            <a:spLocks noGrp="1"/>
-          </p:cNvSpPr>
-          <p:nvPr>
-            <p:ph type="body" sz="quarter" idx="13"/>
-          </p:nvPr>
-        </p:nvSpPr>
-        <p:spPr/>
-        <p:txBody>
-          <a:bodyPr/>
-          <a:lstStyle/>
-          <a:p>
-            <a:r>
-              <a:rPr lang="en-US" dirty="0"/>
-              <a:t>Source = Fusion Manage Item</a:t>
-            </a:r>
-          </a:p>
-        </p:txBody>
-      </p:sp>
-      <p:pic>
-        <p:nvPicPr>
-          <p:cNvPr id="7" name="Picture 6">
-            <a:extLst>
-              <a:ext uri="{FF2B5EF4-FFF2-40B4-BE49-F238E27FC236}">
-                <a16:creationId xmlns:a16="http://schemas.microsoft.com/office/drawing/2014/main" id="{9B45DDC6-2200-ADFA-718F-2A00A5D80DB9}"/>
-              </a:ext>
-            </a:extLst>
-          </p:cNvPr>
-          <p:cNvPicPr>
-            <a:picLocks noChangeAspect="1"/>
-          </p:cNvPicPr>
-          <p:nvPr/>
-        </p:nvPicPr>
-        <p:blipFill>
-          <a:blip r:embed="rId2"/>
-          <a:stretch>
-            <a:fillRect/>
-          </a:stretch>
-        </p:blipFill>
-        <p:spPr>
-          <a:xfrm>
-            <a:off x="491068" y="2566182"/>
-            <a:ext cx="6867525" cy="3743325"/>
-          </a:xfrm>
-          <a:prstGeom prst="rect">
-            <a:avLst/>
-          </a:prstGeom>
-        </p:spPr>
-      </p:pic>
+              <a:t>Use Case Demonstration – PDM-centric option</a:t>
+            </a:r>
+          </a:p>
+        </p:txBody>
+      </p:sp>
     </p:spTree>
     <p:extLst>
       <p:ext uri="{BB962C8B-B14F-4D97-AF65-F5344CB8AC3E}">
-        <p14:creationId xmlns:p14="http://schemas.microsoft.com/office/powerpoint/2010/main" val="1785228627"/>
+        <p14:creationId xmlns:p14="http://schemas.microsoft.com/office/powerpoint/2010/main" val="1677350028"/>
       </p:ext>
     </p:extLst>
   </p:cSld>
@@ -12732,7 +14776,13 @@
   <p:cSld>
     <p:spTree>
       <p:nvGrpSpPr>
-        <p:cNvPr id="1" name=""/>
+        <p:cNvPr id="1" name="">
+          <a:extLst>
+            <a:ext uri="{FF2B5EF4-FFF2-40B4-BE49-F238E27FC236}">
+              <a16:creationId xmlns:a16="http://schemas.microsoft.com/office/drawing/2014/main" id="{5B0BE400-4592-0952-8909-E075A2DA4699}"/>
+            </a:ext>
+          </a:extLst>
+        </p:cNvPr>
         <p:cNvGrpSpPr/>
         <p:nvPr/>
       </p:nvGrpSpPr>
@@ -12746,18 +14796,18 @@
       </p:grpSpPr>
       <p:sp>
         <p:nvSpPr>
-          <p:cNvPr id="3" name="Title 2">
-            <a:extLst>
-              <a:ext uri="{FF2B5EF4-FFF2-40B4-BE49-F238E27FC236}">
-                <a16:creationId xmlns:a16="http://schemas.microsoft.com/office/drawing/2014/main" id="{6E7EB174-D180-4C5A-86DF-BA2A7D248947}"/>
-              </a:ext>
-            </a:extLst>
-          </p:cNvPr>
-          <p:cNvSpPr>
-            <a:spLocks noGrp="1"/>
-          </p:cNvSpPr>
-          <p:nvPr>
-            <p:ph type="title"/>
+          <p:cNvPr id="7" name="Content Placeholder 6">
+            <a:extLst>
+              <a:ext uri="{FF2B5EF4-FFF2-40B4-BE49-F238E27FC236}">
+                <a16:creationId xmlns:a16="http://schemas.microsoft.com/office/drawing/2014/main" id="{DFC3FE8A-1483-33CF-1B4C-6134C4DBEDA5}"/>
+              </a:ext>
+            </a:extLst>
+          </p:cNvPr>
+          <p:cNvSpPr>
+            <a:spLocks noGrp="1"/>
+          </p:cNvSpPr>
+          <p:nvPr>
+            <p:ph idx="1"/>
           </p:nvPr>
         </p:nvSpPr>
         <p:spPr/>
@@ -12765,28 +14815,24 @@
           <a:bodyPr/>
           <a:lstStyle/>
           <a:p>
-            <a:r>
-              <a:rPr lang="en-US" dirty="0"/>
-              <a:t>Summary</a:t>
-            </a:r>
-            <a:endParaRPr lang="en-DE" dirty="0"/>
-          </a:p>
-        </p:txBody>
-      </p:sp>
-      <p:sp>
-        <p:nvSpPr>
-          <p:cNvPr id="6" name="Text Placeholder 5">
-            <a:extLst>
-              <a:ext uri="{FF2B5EF4-FFF2-40B4-BE49-F238E27FC236}">
-                <a16:creationId xmlns:a16="http://schemas.microsoft.com/office/drawing/2014/main" id="{FA0C6A65-E986-4DD7-A2B3-0CB7AA582716}"/>
-              </a:ext>
-            </a:extLst>
-          </p:cNvPr>
-          <p:cNvSpPr>
-            <a:spLocks noGrp="1"/>
-          </p:cNvSpPr>
-          <p:nvPr>
-            <p:ph type="body" sz="quarter" idx="13"/>
+            <a:endParaRPr lang="en-US"/>
+          </a:p>
+        </p:txBody>
+      </p:sp>
+      <p:sp>
+        <p:nvSpPr>
+          <p:cNvPr id="6" name="Title 5">
+            <a:extLst>
+              <a:ext uri="{FF2B5EF4-FFF2-40B4-BE49-F238E27FC236}">
+                <a16:creationId xmlns:a16="http://schemas.microsoft.com/office/drawing/2014/main" id="{2A264C2D-2498-BA9A-697A-2CBBA08470E2}"/>
+              </a:ext>
+            </a:extLst>
+          </p:cNvPr>
+          <p:cNvSpPr>
+            <a:spLocks noGrp="1"/>
+          </p:cNvSpPr>
+          <p:nvPr>
+            <p:ph type="title"/>
           </p:nvPr>
         </p:nvSpPr>
         <p:spPr/>
@@ -12794,102 +14840,30 @@
           <a:bodyPr/>
           <a:lstStyle/>
           <a:p>
-            <a:endParaRPr lang="en-DE"/>
-          </a:p>
-        </p:txBody>
-      </p:sp>
-      <p:sp>
-        <p:nvSpPr>
-          <p:cNvPr id="4" name="Content Placeholder 3">
-            <a:extLst>
-              <a:ext uri="{FF2B5EF4-FFF2-40B4-BE49-F238E27FC236}">
-                <a16:creationId xmlns:a16="http://schemas.microsoft.com/office/drawing/2014/main" id="{CF8A1B68-602A-4050-82E6-05090EA04415}"/>
-              </a:ext>
-            </a:extLst>
-          </p:cNvPr>
-          <p:cNvSpPr>
-            <a:spLocks noGrp="1"/>
-          </p:cNvSpPr>
-          <p:nvPr>
-            <p:ph idx="1"/>
-          </p:nvPr>
-        </p:nvSpPr>
-        <p:spPr/>
-        <p:txBody>
-          <a:bodyPr/>
-          <a:lstStyle/>
-          <a:p>
-            <a:endParaRPr lang="en-DE"/>
-          </a:p>
-        </p:txBody>
-      </p:sp>
-      <p:sp>
-        <p:nvSpPr>
-          <p:cNvPr id="7" name="Picture Placeholder 6">
-            <a:extLst>
-              <a:ext uri="{FF2B5EF4-FFF2-40B4-BE49-F238E27FC236}">
-                <a16:creationId xmlns:a16="http://schemas.microsoft.com/office/drawing/2014/main" id="{23E2195E-1C04-44A2-A5D9-29B726A6E84A}"/>
-              </a:ext>
-            </a:extLst>
-          </p:cNvPr>
-          <p:cNvSpPr>
-            <a:spLocks noGrp="1"/>
-          </p:cNvSpPr>
-          <p:nvPr>
-            <p:ph type="pic" sz="quarter" idx="15"/>
-          </p:nvPr>
-        </p:nvSpPr>
-        <p:spPr/>
-        <p:txBody>
-          <a:bodyPr/>
-          <a:lstStyle/>
-          <a:p>
-            <a:endParaRPr lang="en-US"/>
-          </a:p>
-        </p:txBody>
-      </p:sp>
-      <p:sp>
-        <p:nvSpPr>
-          <p:cNvPr id="5" name="Text Placeholder 4">
-            <a:extLst>
-              <a:ext uri="{FF2B5EF4-FFF2-40B4-BE49-F238E27FC236}">
-                <a16:creationId xmlns:a16="http://schemas.microsoft.com/office/drawing/2014/main" id="{B6CBA85F-3564-483C-BE82-C7CCFC08C90A}"/>
-              </a:ext>
-            </a:extLst>
-          </p:cNvPr>
-          <p:cNvSpPr>
-            <a:spLocks noGrp="1"/>
-          </p:cNvSpPr>
-          <p:nvPr>
-            <p:ph type="body" sz="quarter" idx="12"/>
-          </p:nvPr>
-        </p:nvSpPr>
-        <p:spPr/>
-        <p:txBody>
-          <a:bodyPr/>
-          <a:lstStyle/>
-          <a:p>
-            <a:endParaRPr lang="en-DE"/>
+            <a:r>
+              <a:rPr lang="en-US" dirty="0"/>
+              <a:t>Use Case Demonstration – CAD-centric option</a:t>
+            </a:r>
           </a:p>
         </p:txBody>
       </p:sp>
     </p:spTree>
     <p:extLst>
       <p:ext uri="{BB962C8B-B14F-4D97-AF65-F5344CB8AC3E}">
-        <p14:creationId xmlns:p14="http://schemas.microsoft.com/office/powerpoint/2010/main" val="1890605589"/>
+        <p14:creationId xmlns:p14="http://schemas.microsoft.com/office/powerpoint/2010/main" val="936878194"/>
       </p:ext>
     </p:extLst>
   </p:cSld>
   <p:clrMapOvr>
     <a:masterClrMapping/>
   </p:clrMapOvr>
-  <mc:AlternateContent xmlns:mc="http://schemas.openxmlformats.org/markup-compatibility/2006" xmlns:p14="http://schemas.microsoft.com/office/powerpoint/2010/main">
-    <mc:Choice Requires="p14">
+  <mc:AlternateContent xmlns:mc="http://schemas.openxmlformats.org/markup-compatibility/2006">
+    <mc:Choice xmlns:p14="http://schemas.microsoft.com/office/powerpoint/2010/main" Requires="p14">
       <p:transition p14:dur="250">
         <p:fade/>
       </p:transition>
     </mc:Choice>
-    <mc:Fallback xmlns="">
+    <mc:Fallback>
       <p:transition>
         <p:fade/>
       </p:transition>
@@ -12917,18 +14891,18 @@
       </p:grpSpPr>
       <p:sp>
         <p:nvSpPr>
-          <p:cNvPr id="7" name="Text Placeholder 6">
-            <a:extLst>
-              <a:ext uri="{FF2B5EF4-FFF2-40B4-BE49-F238E27FC236}">
-                <a16:creationId xmlns:a16="http://schemas.microsoft.com/office/drawing/2014/main" id="{2F39F900-5C63-4D38-A5D8-4B8DDED43E83}"/>
-              </a:ext>
-            </a:extLst>
-          </p:cNvPr>
-          <p:cNvSpPr>
-            <a:spLocks noGrp="1"/>
-          </p:cNvSpPr>
-          <p:nvPr>
-            <p:ph type="body" sz="quarter" idx="10"/>
+          <p:cNvPr id="2" name="Title 1">
+            <a:extLst>
+              <a:ext uri="{FF2B5EF4-FFF2-40B4-BE49-F238E27FC236}">
+                <a16:creationId xmlns:a16="http://schemas.microsoft.com/office/drawing/2014/main" id="{072316FC-F268-4927-3982-7EEBC2A49803}"/>
+              </a:ext>
+            </a:extLst>
+          </p:cNvPr>
+          <p:cNvSpPr>
+            <a:spLocks noGrp="1"/>
+          </p:cNvSpPr>
+          <p:nvPr>
+            <p:ph type="title"/>
           </p:nvPr>
         </p:nvSpPr>
         <p:spPr/>
@@ -12936,14 +14910,371 @@
           <a:bodyPr/>
           <a:lstStyle/>
           <a:p>
-            <a:endParaRPr lang="en-DE"/>
+            <a:r>
+              <a:rPr lang="en-US" dirty="0"/>
+              <a:t>Installation</a:t>
+            </a:r>
+          </a:p>
+        </p:txBody>
+      </p:sp>
+      <p:sp>
+        <p:nvSpPr>
+          <p:cNvPr id="3" name="Text Placeholder 2">
+            <a:extLst>
+              <a:ext uri="{FF2B5EF4-FFF2-40B4-BE49-F238E27FC236}">
+                <a16:creationId xmlns:a16="http://schemas.microsoft.com/office/drawing/2014/main" id="{1D270F9E-1884-98E4-1B35-7375EDF65CF8}"/>
+              </a:ext>
+            </a:extLst>
+          </p:cNvPr>
+          <p:cNvSpPr>
+            <a:spLocks noGrp="1"/>
+          </p:cNvSpPr>
+          <p:nvPr>
+            <p:ph type="body" sz="quarter" idx="13"/>
+          </p:nvPr>
+        </p:nvSpPr>
+        <p:spPr/>
+        <p:txBody>
+          <a:bodyPr/>
+          <a:lstStyle/>
+          <a:p>
+            <a:r>
+              <a:rPr lang="en-US" dirty="0"/>
+              <a:t>Prerequisites</a:t>
+            </a:r>
+          </a:p>
+        </p:txBody>
+      </p:sp>
+      <p:sp>
+        <p:nvSpPr>
+          <p:cNvPr id="4" name="Content Placeholder 3">
+            <a:extLst>
+              <a:ext uri="{FF2B5EF4-FFF2-40B4-BE49-F238E27FC236}">
+                <a16:creationId xmlns:a16="http://schemas.microsoft.com/office/drawing/2014/main" id="{0C3A8DE8-344A-6F81-BB2C-0F8E3BD48CB2}"/>
+              </a:ext>
+            </a:extLst>
+          </p:cNvPr>
+          <p:cNvSpPr>
+            <a:spLocks noGrp="1"/>
+          </p:cNvSpPr>
+          <p:nvPr>
+            <p:ph idx="1"/>
+          </p:nvPr>
+        </p:nvSpPr>
+        <p:spPr/>
+        <p:txBody>
+          <a:bodyPr/>
+          <a:lstStyle/>
+          <a:p>
+            <a:r>
+              <a:rPr lang="en-US" dirty="0"/>
+              <a:t>Vault Professional 2026 | Inventor 2026</a:t>
+            </a:r>
+          </a:p>
+          <a:p>
+            <a:pPr lvl="1"/>
+            <a:r>
+              <a:rPr lang="en-US" dirty="0"/>
+              <a:t>[Recommended]: PDMC-Sample Vault </a:t>
+            </a:r>
+          </a:p>
+          <a:p>
+            <a:r>
+              <a:rPr lang="en-US" dirty="0"/>
+              <a:t>Fusion Manage tenant with administrative access</a:t>
+            </a:r>
+          </a:p>
+          <a:p>
+            <a:r>
+              <a:rPr lang="en-US" dirty="0"/>
+              <a:t>Fusion Manage UX Extension server</a:t>
+            </a:r>
+          </a:p>
+          <a:p>
+            <a:pPr marL="0" indent="0">
+              <a:buNone/>
+            </a:pPr>
+            <a:endParaRPr lang="en-US" dirty="0"/>
           </a:p>
         </p:txBody>
       </p:sp>
     </p:spTree>
     <p:extLst>
       <p:ext uri="{BB962C8B-B14F-4D97-AF65-F5344CB8AC3E}">
-        <p14:creationId xmlns:p14="http://schemas.microsoft.com/office/powerpoint/2010/main" val="4186095631"/>
+        <p14:creationId xmlns:p14="http://schemas.microsoft.com/office/powerpoint/2010/main" val="3029215849"/>
+      </p:ext>
+    </p:extLst>
+  </p:cSld>
+  <p:clrMapOvr>
+    <a:masterClrMapping/>
+  </p:clrMapOvr>
+  <mc:AlternateContent xmlns:mc="http://schemas.openxmlformats.org/markup-compatibility/2006" xmlns:p14="http://schemas.microsoft.com/office/powerpoint/2010/main">
+    <mc:Choice Requires="p14">
+      <p:transition p14:dur="250">
+        <p:fade/>
+      </p:transition>
+    </mc:Choice>
+    <mc:Fallback xmlns="">
+      <p:transition>
+        <p:fade/>
+      </p:transition>
+    </mc:Fallback>
+  </mc:AlternateContent>
+</p:sld>
+</file>
+
+<file path=ppt/slides/slide8.xml><?xml version="1.0" encoding="utf-8"?>
+<p:sld xmlns:a="http://schemas.openxmlformats.org/drawingml/2006/main" xmlns:r="http://schemas.openxmlformats.org/officeDocument/2006/relationships" xmlns:p="http://schemas.openxmlformats.org/presentationml/2006/main">
+  <p:cSld>
+    <p:spTree>
+      <p:nvGrpSpPr>
+        <p:cNvPr id="1" name="">
+          <a:extLst>
+            <a:ext uri="{FF2B5EF4-FFF2-40B4-BE49-F238E27FC236}">
+              <a16:creationId xmlns:a16="http://schemas.microsoft.com/office/drawing/2014/main" id="{2D957B93-2D22-1E07-174D-C51BC299350D}"/>
+            </a:ext>
+          </a:extLst>
+        </p:cNvPr>
+        <p:cNvGrpSpPr/>
+        <p:nvPr/>
+      </p:nvGrpSpPr>
+      <p:grpSpPr>
+        <a:xfrm>
+          <a:off x="0" y="0"/>
+          <a:ext cx="0" cy="0"/>
+          <a:chOff x="0" y="0"/>
+          <a:chExt cx="0" cy="0"/>
+        </a:xfrm>
+      </p:grpSpPr>
+      <p:sp>
+        <p:nvSpPr>
+          <p:cNvPr id="2" name="Title 1">
+            <a:extLst>
+              <a:ext uri="{FF2B5EF4-FFF2-40B4-BE49-F238E27FC236}">
+                <a16:creationId xmlns:a16="http://schemas.microsoft.com/office/drawing/2014/main" id="{972AFA37-25C5-73BA-9A97-15D7B38D53FD}"/>
+              </a:ext>
+            </a:extLst>
+          </p:cNvPr>
+          <p:cNvSpPr>
+            <a:spLocks noGrp="1"/>
+          </p:cNvSpPr>
+          <p:nvPr>
+            <p:ph type="title"/>
+          </p:nvPr>
+        </p:nvSpPr>
+        <p:spPr/>
+        <p:txBody>
+          <a:bodyPr/>
+          <a:lstStyle/>
+          <a:p>
+            <a:r>
+              <a:rPr lang="en-US" dirty="0"/>
+              <a:t>Installation</a:t>
+            </a:r>
+          </a:p>
+        </p:txBody>
+      </p:sp>
+      <p:sp>
+        <p:nvSpPr>
+          <p:cNvPr id="3" name="Text Placeholder 2">
+            <a:extLst>
+              <a:ext uri="{FF2B5EF4-FFF2-40B4-BE49-F238E27FC236}">
+                <a16:creationId xmlns:a16="http://schemas.microsoft.com/office/drawing/2014/main" id="{B6C9867B-CD8E-AE3D-2B7B-22B4D1369427}"/>
+              </a:ext>
+            </a:extLst>
+          </p:cNvPr>
+          <p:cNvSpPr>
+            <a:spLocks noGrp="1"/>
+          </p:cNvSpPr>
+          <p:nvPr>
+            <p:ph type="body" sz="quarter" idx="13"/>
+          </p:nvPr>
+        </p:nvSpPr>
+        <p:spPr/>
+        <p:txBody>
+          <a:bodyPr/>
+          <a:lstStyle/>
+          <a:p>
+            <a:endParaRPr lang="en-US"/>
+          </a:p>
+        </p:txBody>
+      </p:sp>
+      <p:sp>
+        <p:nvSpPr>
+          <p:cNvPr id="4" name="Content Placeholder 3">
+            <a:extLst>
+              <a:ext uri="{FF2B5EF4-FFF2-40B4-BE49-F238E27FC236}">
+                <a16:creationId xmlns:a16="http://schemas.microsoft.com/office/drawing/2014/main" id="{B3E0DD45-2589-8A93-E59D-E53A5924B0A1}"/>
+              </a:ext>
+            </a:extLst>
+          </p:cNvPr>
+          <p:cNvSpPr>
+            <a:spLocks noGrp="1"/>
+          </p:cNvSpPr>
+          <p:nvPr>
+            <p:ph idx="1"/>
+          </p:nvPr>
+        </p:nvSpPr>
+        <p:spPr/>
+        <p:txBody>
+          <a:bodyPr/>
+          <a:lstStyle/>
+          <a:p>
+            <a:endParaRPr lang="en-US"/>
+          </a:p>
+        </p:txBody>
+      </p:sp>
+      <p:pic>
+        <p:nvPicPr>
+          <p:cNvPr id="8" name="Picture 7">
+            <a:extLst>
+              <a:ext uri="{FF2B5EF4-FFF2-40B4-BE49-F238E27FC236}">
+                <a16:creationId xmlns:a16="http://schemas.microsoft.com/office/drawing/2014/main" id="{7AC74F71-3B0D-8A2D-15D6-BDDA2A5A7E96}"/>
+              </a:ext>
+            </a:extLst>
+          </p:cNvPr>
+          <p:cNvPicPr>
+            <a:picLocks noChangeAspect="1"/>
+          </p:cNvPicPr>
+          <p:nvPr/>
+        </p:nvPicPr>
+        <p:blipFill>
+          <a:blip r:embed="rId2"/>
+          <a:stretch>
+            <a:fillRect/>
+          </a:stretch>
+        </p:blipFill>
+        <p:spPr>
+          <a:xfrm>
+            <a:off x="490135" y="487681"/>
+            <a:ext cx="4963839" cy="1361229"/>
+          </a:xfrm>
+          <a:prstGeom prst="rect">
+            <a:avLst/>
+          </a:prstGeom>
+        </p:spPr>
+      </p:pic>
+    </p:spTree>
+    <p:extLst>
+      <p:ext uri="{BB962C8B-B14F-4D97-AF65-F5344CB8AC3E}">
+        <p14:creationId xmlns:p14="http://schemas.microsoft.com/office/powerpoint/2010/main" val="259132279"/>
+      </p:ext>
+    </p:extLst>
+  </p:cSld>
+  <p:clrMapOvr>
+    <a:masterClrMapping/>
+  </p:clrMapOvr>
+  <mc:AlternateContent xmlns:mc="http://schemas.openxmlformats.org/markup-compatibility/2006">
+    <mc:Choice xmlns:p14="http://schemas.microsoft.com/office/powerpoint/2010/main" Requires="p14">
+      <p:transition p14:dur="250">
+        <p:fade/>
+      </p:transition>
+    </mc:Choice>
+    <mc:Fallback>
+      <p:transition>
+        <p:fade/>
+      </p:transition>
+    </mc:Fallback>
+  </mc:AlternateContent>
+</p:sld>
+</file>
+
+<file path=ppt/slides/slide9.xml><?xml version="1.0" encoding="utf-8"?>
+<p:sld xmlns:a="http://schemas.openxmlformats.org/drawingml/2006/main" xmlns:r="http://schemas.openxmlformats.org/officeDocument/2006/relationships" xmlns:p="http://schemas.openxmlformats.org/presentationml/2006/main">
+  <p:cSld>
+    <p:spTree>
+      <p:nvGrpSpPr>
+        <p:cNvPr id="1" name=""/>
+        <p:cNvGrpSpPr/>
+        <p:nvPr/>
+      </p:nvGrpSpPr>
+      <p:grpSpPr>
+        <a:xfrm>
+          <a:off x="0" y="0"/>
+          <a:ext cx="0" cy="0"/>
+          <a:chOff x="0" y="0"/>
+          <a:chExt cx="0" cy="0"/>
+        </a:xfrm>
+      </p:grpSpPr>
+      <p:sp>
+        <p:nvSpPr>
+          <p:cNvPr id="2" name="Title 1">
+            <a:extLst>
+              <a:ext uri="{FF2B5EF4-FFF2-40B4-BE49-F238E27FC236}">
+                <a16:creationId xmlns:a16="http://schemas.microsoft.com/office/drawing/2014/main" id="{78367C87-29C4-082E-2238-5EDDCF4D7588}"/>
+              </a:ext>
+            </a:extLst>
+          </p:cNvPr>
+          <p:cNvSpPr>
+            <a:spLocks noGrp="1"/>
+          </p:cNvSpPr>
+          <p:nvPr>
+            <p:ph type="title"/>
+          </p:nvPr>
+        </p:nvSpPr>
+        <p:spPr/>
+        <p:txBody>
+          <a:bodyPr/>
+          <a:lstStyle/>
+          <a:p>
+            <a:endParaRPr lang="en-US"/>
+          </a:p>
+        </p:txBody>
+      </p:sp>
+      <p:sp>
+        <p:nvSpPr>
+          <p:cNvPr id="3" name="Text Placeholder 2">
+            <a:extLst>
+              <a:ext uri="{FF2B5EF4-FFF2-40B4-BE49-F238E27FC236}">
+                <a16:creationId xmlns:a16="http://schemas.microsoft.com/office/drawing/2014/main" id="{29CDADFA-BB99-4545-FEF8-E9061B1B2B61}"/>
+              </a:ext>
+            </a:extLst>
+          </p:cNvPr>
+          <p:cNvSpPr>
+            <a:spLocks noGrp="1"/>
+          </p:cNvSpPr>
+          <p:nvPr>
+            <p:ph type="body" sz="quarter" idx="13"/>
+          </p:nvPr>
+        </p:nvSpPr>
+        <p:spPr/>
+        <p:txBody>
+          <a:bodyPr/>
+          <a:lstStyle/>
+          <a:p>
+            <a:endParaRPr lang="en-US"/>
+          </a:p>
+        </p:txBody>
+      </p:sp>
+      <p:sp>
+        <p:nvSpPr>
+          <p:cNvPr id="4" name="Content Placeholder 3">
+            <a:extLst>
+              <a:ext uri="{FF2B5EF4-FFF2-40B4-BE49-F238E27FC236}">
+                <a16:creationId xmlns:a16="http://schemas.microsoft.com/office/drawing/2014/main" id="{6C935330-4284-F36E-790F-D104B178B7E1}"/>
+              </a:ext>
+            </a:extLst>
+          </p:cNvPr>
+          <p:cNvSpPr>
+            <a:spLocks noGrp="1"/>
+          </p:cNvSpPr>
+          <p:nvPr>
+            <p:ph idx="1"/>
+          </p:nvPr>
+        </p:nvSpPr>
+        <p:spPr/>
+        <p:txBody>
+          <a:bodyPr/>
+          <a:lstStyle/>
+          <a:p>
+            <a:endParaRPr lang="en-US"/>
+          </a:p>
+        </p:txBody>
+      </p:sp>
+    </p:spTree>
+    <p:extLst>
+      <p:ext uri="{BB962C8B-B14F-4D97-AF65-F5344CB8AC3E}">
+        <p14:creationId xmlns:p14="http://schemas.microsoft.com/office/powerpoint/2010/main" val="2182427264"/>
       </p:ext>
     </p:extLst>
   </p:cSld>
